--- a/ProjetBDM_Model/Diagramme_nav.pptx
+++ b/ProjetBDM_Model/Diagramme_nav.pptx
@@ -104,6 +104,11 @@
       </a:defRPr>
     </a:lvl9pPr>
   </p:defaultTextStyle>
+  <p:extLst>
+    <p:ext uri="{EFAFB233-063F-42B5-8137-9DF3F51BA10A}">
+      <p15:sldGuideLst xmlns:p15="http://schemas.microsoft.com/office/powerpoint/2012/main"/>
+    </p:ext>
+  </p:extLst>
 </p:presentation>
 </file>
 
@@ -212,7 +217,7 @@
             <a:fld id="{176FA891-F897-433A-941E-17CAE11ABBB2}" type="datetime1">
               <a:rPr lang="fr-FR"/>
               <a:pPr lvl="0"/>
-              <a:t>13/04/2017</a:t>
+              <a:t>23/04/2017</a:t>
             </a:fld>
             <a:endParaRPr lang="fr-FR"/>
           </a:p>
@@ -279,11 +284,11 @@
   <p:clrMapOvr>
     <a:masterClrMapping/>
   </p:clrMapOvr>
-  <mc:AlternateContent xmlns:mc="http://schemas.openxmlformats.org/markup-compatibility/2006">
-    <mc:Choice xmlns:p14="http://schemas.microsoft.com/office/powerpoint/2010/main" Requires="p14">
+  <mc:AlternateContent xmlns:mc="http://schemas.openxmlformats.org/markup-compatibility/2006" xmlns:p14="http://schemas.microsoft.com/office/powerpoint/2010/main">
+    <mc:Choice Requires="p14">
       <p:transition spd="slow" p14:dur="2000"/>
     </mc:Choice>
-    <mc:Fallback>
+    <mc:Fallback xmlns="">
       <p:transition spd="slow"/>
     </mc:Fallback>
   </mc:AlternateContent>
@@ -425,7 +430,7 @@
             <a:fld id="{0693D420-5B48-494D-B8EF-D4B91FE85097}" type="datetime1">
               <a:rPr lang="fr-FR"/>
               <a:pPr lvl="0"/>
-              <a:t>13/04/2017</a:t>
+              <a:t>23/04/2017</a:t>
             </a:fld>
             <a:endParaRPr lang="fr-FR"/>
           </a:p>
@@ -492,11 +497,11 @@
   <p:clrMapOvr>
     <a:masterClrMapping/>
   </p:clrMapOvr>
-  <mc:AlternateContent xmlns:mc="http://schemas.openxmlformats.org/markup-compatibility/2006">
-    <mc:Choice xmlns:p14="http://schemas.microsoft.com/office/powerpoint/2010/main" Requires="p14">
+  <mc:AlternateContent xmlns:mc="http://schemas.openxmlformats.org/markup-compatibility/2006" xmlns:p14="http://schemas.microsoft.com/office/powerpoint/2010/main">
+    <mc:Choice Requires="p14">
       <p:transition spd="slow" p14:dur="2000"/>
     </mc:Choice>
-    <mc:Fallback>
+    <mc:Fallback xmlns="">
       <p:transition spd="slow"/>
     </mc:Fallback>
   </mc:AlternateContent>
@@ -647,7 +652,7 @@
             <a:fld id="{F04BFC7A-9A9D-4E76-A84B-5888CAA7905B}" type="datetime1">
               <a:rPr lang="fr-FR"/>
               <a:pPr lvl="0"/>
-              <a:t>13/04/2017</a:t>
+              <a:t>23/04/2017</a:t>
             </a:fld>
             <a:endParaRPr lang="fr-FR"/>
           </a:p>
@@ -714,11 +719,11 @@
   <p:clrMapOvr>
     <a:masterClrMapping/>
   </p:clrMapOvr>
-  <mc:AlternateContent xmlns:mc="http://schemas.openxmlformats.org/markup-compatibility/2006">
-    <mc:Choice xmlns:p14="http://schemas.microsoft.com/office/powerpoint/2010/main" Requires="p14">
+  <mc:AlternateContent xmlns:mc="http://schemas.openxmlformats.org/markup-compatibility/2006" xmlns:p14="http://schemas.microsoft.com/office/powerpoint/2010/main">
+    <mc:Choice Requires="p14">
       <p:transition spd="slow" p14:dur="2000"/>
     </mc:Choice>
-    <mc:Fallback>
+    <mc:Fallback xmlns="">
       <p:transition spd="slow"/>
     </mc:Fallback>
   </mc:AlternateContent>
@@ -859,7 +864,7 @@
             <a:fld id="{B1A1A99C-DBF0-4B77-9B69-9284B66ED0A7}" type="datetime1">
               <a:rPr lang="fr-FR"/>
               <a:pPr lvl="0"/>
-              <a:t>13/04/2017</a:t>
+              <a:t>23/04/2017</a:t>
             </a:fld>
             <a:endParaRPr lang="fr-FR"/>
           </a:p>
@@ -926,11 +931,11 @@
   <p:clrMapOvr>
     <a:masterClrMapping/>
   </p:clrMapOvr>
-  <mc:AlternateContent xmlns:mc="http://schemas.openxmlformats.org/markup-compatibility/2006">
-    <mc:Choice xmlns:p14="http://schemas.microsoft.com/office/powerpoint/2010/main" Requires="p14">
+  <mc:AlternateContent xmlns:mc="http://schemas.openxmlformats.org/markup-compatibility/2006" xmlns:p14="http://schemas.microsoft.com/office/powerpoint/2010/main">
+    <mc:Choice Requires="p14">
       <p:transition spd="slow" p14:dur="2000"/>
     </mc:Choice>
-    <mc:Fallback>
+    <mc:Fallback xmlns="">
       <p:transition spd="slow"/>
     </mc:Fallback>
   </mc:AlternateContent>
@@ -1046,7 +1051,7 @@
             <a:fld id="{20EB90DE-39F1-4C08-A9A2-BE71E6976D13}" type="datetime1">
               <a:rPr lang="fr-FR"/>
               <a:pPr lvl="0"/>
-              <a:t>13/04/2017</a:t>
+              <a:t>23/04/2017</a:t>
             </a:fld>
             <a:endParaRPr lang="fr-FR"/>
           </a:p>
@@ -1113,11 +1118,11 @@
   <p:clrMapOvr>
     <a:masterClrMapping/>
   </p:clrMapOvr>
-  <mc:AlternateContent xmlns:mc="http://schemas.openxmlformats.org/markup-compatibility/2006">
-    <mc:Choice xmlns:p14="http://schemas.microsoft.com/office/powerpoint/2010/main" Requires="p14">
+  <mc:AlternateContent xmlns:mc="http://schemas.openxmlformats.org/markup-compatibility/2006" xmlns:p14="http://schemas.microsoft.com/office/powerpoint/2010/main">
+    <mc:Choice Requires="p14">
       <p:transition spd="slow" p14:dur="2000"/>
     </mc:Choice>
-    <mc:Fallback>
+    <mc:Fallback xmlns="">
       <p:transition spd="slow"/>
     </mc:Fallback>
   </mc:AlternateContent>
@@ -1335,7 +1340,7 @@
             <a:fld id="{55930782-B17B-410F-8948-11266F652AC8}" type="datetime1">
               <a:rPr lang="fr-FR"/>
               <a:pPr lvl="0"/>
-              <a:t>13/04/2017</a:t>
+              <a:t>23/04/2017</a:t>
             </a:fld>
             <a:endParaRPr lang="fr-FR"/>
           </a:p>
@@ -1402,11 +1407,11 @@
   <p:clrMapOvr>
     <a:masterClrMapping/>
   </p:clrMapOvr>
-  <mc:AlternateContent xmlns:mc="http://schemas.openxmlformats.org/markup-compatibility/2006">
-    <mc:Choice xmlns:p14="http://schemas.microsoft.com/office/powerpoint/2010/main" Requires="p14">
+  <mc:AlternateContent xmlns:mc="http://schemas.openxmlformats.org/markup-compatibility/2006" xmlns:p14="http://schemas.microsoft.com/office/powerpoint/2010/main">
+    <mc:Choice Requires="p14">
       <p:transition spd="slow" p14:dur="2000"/>
     </mc:Choice>
-    <mc:Fallback>
+    <mc:Fallback xmlns="">
       <p:transition spd="slow"/>
     </mc:Fallback>
   </mc:AlternateContent>
@@ -1695,7 +1700,7 @@
             <a:fld id="{4115FD12-1640-434C-B56A-51FE4C825019}" type="datetime1">
               <a:rPr lang="fr-FR"/>
               <a:pPr lvl="0"/>
-              <a:t>13/04/2017</a:t>
+              <a:t>23/04/2017</a:t>
             </a:fld>
             <a:endParaRPr lang="fr-FR"/>
           </a:p>
@@ -1762,11 +1767,11 @@
   <p:clrMapOvr>
     <a:masterClrMapping/>
   </p:clrMapOvr>
-  <mc:AlternateContent xmlns:mc="http://schemas.openxmlformats.org/markup-compatibility/2006">
-    <mc:Choice xmlns:p14="http://schemas.microsoft.com/office/powerpoint/2010/main" Requires="p14">
+  <mc:AlternateContent xmlns:mc="http://schemas.openxmlformats.org/markup-compatibility/2006" xmlns:p14="http://schemas.microsoft.com/office/powerpoint/2010/main">
+    <mc:Choice Requires="p14">
       <p:transition spd="slow" p14:dur="2000"/>
     </mc:Choice>
-    <mc:Fallback>
+    <mc:Fallback xmlns="">
       <p:transition spd="slow"/>
     </mc:Fallback>
   </mc:AlternateContent>
@@ -1840,7 +1845,7 @@
             <a:fld id="{5BEF5F67-F53C-416A-9A7F-3BEC4389EFF5}" type="datetime1">
               <a:rPr lang="fr-FR"/>
               <a:pPr lvl="0"/>
-              <a:t>13/04/2017</a:t>
+              <a:t>23/04/2017</a:t>
             </a:fld>
             <a:endParaRPr lang="fr-FR"/>
           </a:p>
@@ -1907,11 +1912,11 @@
   <p:clrMapOvr>
     <a:masterClrMapping/>
   </p:clrMapOvr>
-  <mc:AlternateContent xmlns:mc="http://schemas.openxmlformats.org/markup-compatibility/2006">
-    <mc:Choice xmlns:p14="http://schemas.microsoft.com/office/powerpoint/2010/main" Requires="p14">
+  <mc:AlternateContent xmlns:mc="http://schemas.openxmlformats.org/markup-compatibility/2006" xmlns:p14="http://schemas.microsoft.com/office/powerpoint/2010/main">
+    <mc:Choice Requires="p14">
       <p:transition spd="slow" p14:dur="2000"/>
     </mc:Choice>
-    <mc:Fallback>
+    <mc:Fallback xmlns="">
       <p:transition spd="slow"/>
     </mc:Fallback>
   </mc:AlternateContent>
@@ -1958,7 +1963,7 @@
             <a:fld id="{A27438AD-9B1D-4FAE-94D4-40E53458E1A4}" type="datetime1">
               <a:rPr lang="fr-FR"/>
               <a:pPr lvl="0"/>
-              <a:t>13/04/2017</a:t>
+              <a:t>23/04/2017</a:t>
             </a:fld>
             <a:endParaRPr lang="fr-FR"/>
           </a:p>
@@ -2025,11 +2030,11 @@
   <p:clrMapOvr>
     <a:masterClrMapping/>
   </p:clrMapOvr>
-  <mc:AlternateContent xmlns:mc="http://schemas.openxmlformats.org/markup-compatibility/2006">
-    <mc:Choice xmlns:p14="http://schemas.microsoft.com/office/powerpoint/2010/main" Requires="p14">
+  <mc:AlternateContent xmlns:mc="http://schemas.openxmlformats.org/markup-compatibility/2006" xmlns:p14="http://schemas.microsoft.com/office/powerpoint/2010/main">
+    <mc:Choice Requires="p14">
       <p:transition spd="slow" p14:dur="2000"/>
     </mc:Choice>
-    <mc:Fallback>
+    <mc:Fallback xmlns="">
       <p:transition spd="slow"/>
     </mc:Fallback>
   </mc:AlternateContent>
@@ -2213,7 +2218,7 @@
             <a:fld id="{D6AD8C18-F0BD-4F73-9815-280DA47C386E}" type="datetime1">
               <a:rPr lang="fr-FR"/>
               <a:pPr lvl="0"/>
-              <a:t>13/04/2017</a:t>
+              <a:t>23/04/2017</a:t>
             </a:fld>
             <a:endParaRPr lang="fr-FR"/>
           </a:p>
@@ -2280,11 +2285,11 @@
   <p:clrMapOvr>
     <a:masterClrMapping/>
   </p:clrMapOvr>
-  <mc:AlternateContent xmlns:mc="http://schemas.openxmlformats.org/markup-compatibility/2006">
-    <mc:Choice xmlns:p14="http://schemas.microsoft.com/office/powerpoint/2010/main" Requires="p14">
+  <mc:AlternateContent xmlns:mc="http://schemas.openxmlformats.org/markup-compatibility/2006" xmlns:p14="http://schemas.microsoft.com/office/powerpoint/2010/main">
+    <mc:Choice Requires="p14">
       <p:transition spd="slow" p14:dur="2000"/>
     </mc:Choice>
-    <mc:Fallback>
+    <mc:Fallback xmlns="">
       <p:transition spd="slow"/>
     </mc:Fallback>
   </mc:AlternateContent>
@@ -2426,7 +2431,7 @@
             <a:fld id="{9EA83F35-2992-41AD-8F48-F2D3C2004101}" type="datetime1">
               <a:rPr lang="fr-FR"/>
               <a:pPr lvl="0"/>
-              <a:t>13/04/2017</a:t>
+              <a:t>23/04/2017</a:t>
             </a:fld>
             <a:endParaRPr lang="fr-FR"/>
           </a:p>
@@ -2493,11 +2498,11 @@
   <p:clrMapOvr>
     <a:masterClrMapping/>
   </p:clrMapOvr>
-  <mc:AlternateContent xmlns:mc="http://schemas.openxmlformats.org/markup-compatibility/2006">
-    <mc:Choice xmlns:p14="http://schemas.microsoft.com/office/powerpoint/2010/main" Requires="p14">
+  <mc:AlternateContent xmlns:mc="http://schemas.openxmlformats.org/markup-compatibility/2006" xmlns:p14="http://schemas.microsoft.com/office/powerpoint/2010/main">
+    <mc:Choice Requires="p14">
       <p:transition spd="slow" p14:dur="2000"/>
     </mc:Choice>
-    <mc:Fallback>
+    <mc:Fallback xmlns="">
       <p:transition spd="slow"/>
     </mc:Fallback>
   </mc:AlternateContent>
@@ -2685,7 +2690,7 @@
             <a:fld id="{200E126A-F150-4D56-9C93-029D54B5EB17}" type="datetime1">
               <a:rPr lang="fr-FR"/>
               <a:pPr lvl="0"/>
-              <a:t>13/04/2017</a:t>
+              <a:t>23/04/2017</a:t>
             </a:fld>
             <a:endParaRPr lang="fr-FR"/>
           </a:p>
@@ -2820,11 +2825,11 @@
     <p:sldLayoutId id="2147483658" r:id="rId10"/>
     <p:sldLayoutId id="2147483659" r:id="rId11"/>
   </p:sldLayoutIdLst>
-  <mc:AlternateContent xmlns:mc="http://schemas.openxmlformats.org/markup-compatibility/2006">
-    <mc:Choice xmlns:p14="http://schemas.microsoft.com/office/powerpoint/2010/main" Requires="p14">
+  <mc:AlternateContent xmlns:mc="http://schemas.openxmlformats.org/markup-compatibility/2006" xmlns:p14="http://schemas.microsoft.com/office/powerpoint/2010/main">
+    <mc:Choice Requires="p14">
       <p:transition spd="slow" p14:dur="2000"/>
     </mc:Choice>
-    <mc:Fallback>
+    <mc:Fallback xmlns="">
       <p:transition spd="slow"/>
     </mc:Fallback>
   </mc:AlternateContent>
@@ -3381,15 +3386,32 @@
                 </a:defRPr>
               </a:pPr>
               <a:r>
-                <a:rPr lang="fr-FR" sz="1000" b="0" i="0" u="none" strike="noStrike" kern="1200" cap="none" spc="0" baseline="0">
+                <a:rPr lang="fr-FR" sz="1000" b="0" i="0" u="none" strike="noStrike" kern="1200" cap="none" spc="0" baseline="0" dirty="0">
                   <a:solidFill>
                     <a:srgbClr val="000000"/>
                   </a:solidFill>
                   <a:uFillTx/>
                   <a:latin typeface="Calibri"/>
                 </a:rPr>
-                <a:t>Media Video</a:t>
+                <a:t>Media </a:t>
               </a:r>
+              <a:r>
+                <a:rPr lang="fr-FR" sz="1000" b="0" i="0" u="none" strike="noStrike" kern="1200" cap="none" spc="0" baseline="0" dirty="0" err="1">
+                  <a:solidFill>
+                    <a:srgbClr val="000000"/>
+                  </a:solidFill>
+                  <a:uFillTx/>
+                  <a:latin typeface="Calibri"/>
+                </a:rPr>
+                <a:t>Video</a:t>
+              </a:r>
+              <a:endParaRPr lang="fr-FR" sz="1000" b="0" i="0" u="none" strike="noStrike" kern="1200" cap="none" spc="0" baseline="0" dirty="0">
+                <a:solidFill>
+                  <a:srgbClr val="000000"/>
+                </a:solidFill>
+                <a:uFillTx/>
+                <a:latin typeface="Calibri"/>
+              </a:endParaRPr>
             </a:p>
           </p:txBody>
         </p:sp>
@@ -4183,7 +4205,7 @@
         </p:nvGrpSpPr>
         <p:grpSpPr>
           <a:xfrm>
-            <a:off x="7765744" y="2870005"/>
+            <a:off x="8448568" y="2855227"/>
             <a:ext cx="1636586" cy="1320986"/>
             <a:chOff x="8689150" y="2959903"/>
             <a:chExt cx="1064736" cy="1059726"/>
@@ -5627,8 +5649,8 @@
         </p:nvCxnSpPr>
         <p:spPr>
           <a:xfrm rot="5400000" flipH="1" flipV="1">
-            <a:off x="9112743" y="1924129"/>
-            <a:ext cx="702305" cy="1189449"/>
+            <a:off x="9461544" y="2258152"/>
+            <a:ext cx="687527" cy="506625"/>
           </a:xfrm>
           <a:prstGeom prst="bentConnector3">
             <a:avLst>
@@ -6086,156 +6108,6 @@
       </p:sp>
       <p:cxnSp>
         <p:nvCxnSpPr>
-          <p:cNvPr id="306" name="Connecteur en angle 305"/>
-          <p:cNvCxnSpPr>
-            <a:endCxn id="44" idx="1"/>
-          </p:cNvCxnSpPr>
-          <p:nvPr/>
-        </p:nvCxnSpPr>
-        <p:spPr>
-          <a:xfrm>
-            <a:off x="5520389" y="1634874"/>
-            <a:ext cx="2245355" cy="1912625"/>
-          </a:xfrm>
-          <a:prstGeom prst="bentConnector3">
-            <a:avLst>
-              <a:gd name="adj1" fmla="val 50000"/>
-            </a:avLst>
-          </a:prstGeom>
-          <a:ln>
-            <a:solidFill>
-              <a:schemeClr val="tx1"/>
-            </a:solidFill>
-            <a:headEnd type="oval"/>
-            <a:tailEnd type="arrow"/>
-          </a:ln>
-        </p:spPr>
-        <p:style>
-          <a:lnRef idx="1">
-            <a:schemeClr val="accent1"/>
-          </a:lnRef>
-          <a:fillRef idx="0">
-            <a:schemeClr val="accent1"/>
-          </a:fillRef>
-          <a:effectRef idx="0">
-            <a:schemeClr val="accent1"/>
-          </a:effectRef>
-          <a:fontRef idx="minor">
-            <a:schemeClr val="tx1"/>
-          </a:fontRef>
-        </p:style>
-      </p:cxnSp>
-      <p:cxnSp>
-        <p:nvCxnSpPr>
-          <p:cNvPr id="308" name="Connecteur droit avec flèche 307"/>
-          <p:cNvCxnSpPr/>
-          <p:nvPr/>
-        </p:nvCxnSpPr>
-        <p:spPr>
-          <a:xfrm>
-            <a:off x="7470799" y="3547498"/>
-            <a:ext cx="201589" cy="0"/>
-          </a:xfrm>
-          <a:prstGeom prst="straightConnector1">
-            <a:avLst/>
-          </a:prstGeom>
-          <a:ln>
-            <a:solidFill>
-              <a:schemeClr val="tx1"/>
-            </a:solidFill>
-            <a:tailEnd type="arrow"/>
-          </a:ln>
-        </p:spPr>
-        <p:style>
-          <a:lnRef idx="1">
-            <a:schemeClr val="accent1"/>
-          </a:lnRef>
-          <a:fillRef idx="0">
-            <a:schemeClr val="accent1"/>
-          </a:fillRef>
-          <a:effectRef idx="0">
-            <a:schemeClr val="accent1"/>
-          </a:effectRef>
-          <a:fontRef idx="minor">
-            <a:schemeClr val="tx1"/>
-          </a:fontRef>
-        </p:style>
-      </p:cxnSp>
-      <p:cxnSp>
-        <p:nvCxnSpPr>
-          <p:cNvPr id="310" name="Connecteur en angle 309"/>
-          <p:cNvCxnSpPr/>
-          <p:nvPr/>
-        </p:nvCxnSpPr>
-        <p:spPr>
-          <a:xfrm rot="10800000">
-            <a:off x="5639985" y="1528228"/>
-            <a:ext cx="2314686" cy="1956712"/>
-          </a:xfrm>
-          <a:prstGeom prst="bentConnector3">
-            <a:avLst/>
-          </a:prstGeom>
-          <a:ln>
-            <a:solidFill>
-              <a:schemeClr val="tx1"/>
-            </a:solidFill>
-            <a:headEnd type="none"/>
-            <a:tailEnd type="arrow"/>
-          </a:ln>
-        </p:spPr>
-        <p:style>
-          <a:lnRef idx="1">
-            <a:schemeClr val="accent1"/>
-          </a:lnRef>
-          <a:fillRef idx="0">
-            <a:schemeClr val="accent1"/>
-          </a:fillRef>
-          <a:effectRef idx="0">
-            <a:schemeClr val="accent1"/>
-          </a:effectRef>
-          <a:fontRef idx="minor">
-            <a:schemeClr val="tx1"/>
-          </a:fontRef>
-        </p:style>
-      </p:cxnSp>
-      <p:cxnSp>
-        <p:nvCxnSpPr>
-          <p:cNvPr id="316" name="Connecteur droit avec flèche 315"/>
-          <p:cNvCxnSpPr/>
-          <p:nvPr/>
-        </p:nvCxnSpPr>
-        <p:spPr>
-          <a:xfrm flipH="1">
-            <a:off x="5715001" y="1528227"/>
-            <a:ext cx="157092" cy="0"/>
-          </a:xfrm>
-          <a:prstGeom prst="straightConnector1">
-            <a:avLst/>
-          </a:prstGeom>
-          <a:ln>
-            <a:solidFill>
-              <a:schemeClr val="tx1"/>
-            </a:solidFill>
-            <a:tailEnd type="arrow"/>
-          </a:ln>
-        </p:spPr>
-        <p:style>
-          <a:lnRef idx="1">
-            <a:schemeClr val="accent1"/>
-          </a:lnRef>
-          <a:fillRef idx="0">
-            <a:schemeClr val="accent1"/>
-          </a:fillRef>
-          <a:effectRef idx="0">
-            <a:schemeClr val="accent1"/>
-          </a:effectRef>
-          <a:fontRef idx="minor">
-            <a:schemeClr val="tx1"/>
-          </a:fontRef>
-        </p:style>
-      </p:cxnSp>
-      <p:cxnSp>
-        <p:nvCxnSpPr>
           <p:cNvPr id="319" name="Connecteur droit 318"/>
           <p:cNvCxnSpPr/>
           <p:nvPr/>
@@ -6665,7 +6537,7 @@
         </p:nvSpPr>
         <p:spPr>
           <a:xfrm>
-            <a:off x="8002984" y="3099578"/>
+            <a:off x="8635702" y="3077462"/>
             <a:ext cx="779246" cy="215444"/>
           </a:xfrm>
           <a:prstGeom prst="rect">
@@ -6717,16 +6589,298 @@
           </a:p>
         </p:txBody>
       </p:sp>
+      <p:grpSp>
+        <p:nvGrpSpPr>
+          <p:cNvPr id="107" name="Groupe 42"/>
+          <p:cNvGrpSpPr/>
+          <p:nvPr/>
+        </p:nvGrpSpPr>
+        <p:grpSpPr>
+          <a:xfrm>
+            <a:off x="6211760" y="1835451"/>
+            <a:ext cx="1447583" cy="1107682"/>
+            <a:chOff x="6305318" y="236171"/>
+            <a:chExt cx="3433663" cy="2315617"/>
+          </a:xfrm>
+        </p:grpSpPr>
+        <p:sp>
+          <p:nvSpPr>
+            <p:cNvPr id="108" name="Rectangle 30"/>
+            <p:cNvSpPr/>
+            <p:nvPr/>
+          </p:nvSpPr>
+          <p:spPr>
+            <a:xfrm>
+              <a:off x="6305318" y="236171"/>
+              <a:ext cx="3433663" cy="2309271"/>
+            </a:xfrm>
+            <a:prstGeom prst="rect">
+              <a:avLst/>
+            </a:prstGeom>
+            <a:noFill/>
+            <a:ln w="12701" cap="flat">
+              <a:solidFill>
+                <a:srgbClr val="41719C"/>
+              </a:solidFill>
+              <a:prstDash val="solid"/>
+              <a:miter/>
+            </a:ln>
+          </p:spPr>
+          <p:txBody>
+            <a:bodyPr vert="horz" wrap="square" lIns="91440" tIns="45720" rIns="91440" bIns="45720" anchor="ctr" anchorCtr="1" compatLnSpc="1">
+              <a:noAutofit/>
+            </a:bodyPr>
+            <a:lstStyle/>
+            <a:p>
+              <a:pPr marL="0" marR="0" lvl="0" indent="0" algn="ctr" defTabSz="914400" rtl="0" fontAlgn="auto" hangingPunct="1">
+                <a:lnSpc>
+                  <a:spcPct val="100000"/>
+                </a:lnSpc>
+                <a:spcBef>
+                  <a:spcPts val="0"/>
+                </a:spcBef>
+                <a:spcAft>
+                  <a:spcPts val="0"/>
+                </a:spcAft>
+                <a:buNone/>
+                <a:tabLst/>
+                <a:defRPr sz="1800" b="0" i="0" u="none" strike="noStrike" kern="0" cap="none" spc="0" baseline="0">
+                  <a:solidFill>
+                    <a:srgbClr val="000000"/>
+                  </a:solidFill>
+                  <a:uFillTx/>
+                </a:defRPr>
+              </a:pPr>
+              <a:endParaRPr lang="fr-FR" sz="1800" b="0" i="0" u="none" strike="noStrike" kern="1200" cap="none" spc="0" baseline="0">
+                <a:solidFill>
+                  <a:srgbClr val="FFFFFF"/>
+                </a:solidFill>
+                <a:uFillTx/>
+                <a:latin typeface="Calibri"/>
+              </a:endParaRPr>
+            </a:p>
+          </p:txBody>
+        </p:sp>
+        <p:cxnSp>
+          <p:nvCxnSpPr>
+            <p:cNvPr id="109" name="Connecteur droit 32"/>
+            <p:cNvCxnSpPr/>
+            <p:nvPr/>
+          </p:nvCxnSpPr>
+          <p:spPr>
+            <a:xfrm>
+              <a:off x="6305318" y="540163"/>
+              <a:ext cx="3433663" cy="0"/>
+            </a:xfrm>
+            <a:prstGeom prst="straightConnector1">
+              <a:avLst/>
+            </a:prstGeom>
+            <a:noFill/>
+            <a:ln w="6345" cap="flat">
+              <a:solidFill>
+                <a:srgbClr val="5B9BD5"/>
+              </a:solidFill>
+              <a:prstDash val="solid"/>
+              <a:miter/>
+            </a:ln>
+          </p:spPr>
+        </p:cxnSp>
+        <p:cxnSp>
+          <p:nvCxnSpPr>
+            <p:cNvPr id="110" name="Connecteur droit 35"/>
+            <p:cNvCxnSpPr/>
+            <p:nvPr/>
+          </p:nvCxnSpPr>
+          <p:spPr>
+            <a:xfrm flipH="1">
+              <a:off x="6657353" y="540163"/>
+              <a:ext cx="3310" cy="2011625"/>
+            </a:xfrm>
+            <a:prstGeom prst="straightConnector1">
+              <a:avLst/>
+            </a:prstGeom>
+            <a:noFill/>
+            <a:ln w="6345" cap="flat">
+              <a:solidFill>
+                <a:srgbClr val="5B9BD5"/>
+              </a:solidFill>
+              <a:prstDash val="solid"/>
+              <a:miter/>
+            </a:ln>
+          </p:spPr>
+        </p:cxnSp>
+        <p:cxnSp>
+          <p:nvCxnSpPr>
+            <p:cNvPr id="111" name="Connecteur droit 39"/>
+            <p:cNvCxnSpPr/>
+            <p:nvPr/>
+          </p:nvCxnSpPr>
+          <p:spPr>
+            <a:xfrm flipH="1">
+              <a:off x="9443420" y="540163"/>
+              <a:ext cx="3301" cy="2011625"/>
+            </a:xfrm>
+            <a:prstGeom prst="straightConnector1">
+              <a:avLst/>
+            </a:prstGeom>
+            <a:noFill/>
+            <a:ln w="6345" cap="flat">
+              <a:solidFill>
+                <a:srgbClr val="5B9BD5"/>
+              </a:solidFill>
+              <a:prstDash val="solid"/>
+              <a:miter/>
+            </a:ln>
+          </p:spPr>
+        </p:cxnSp>
+        <p:cxnSp>
+          <p:nvCxnSpPr>
+            <p:cNvPr id="112" name="Connecteur droit 41"/>
+            <p:cNvCxnSpPr/>
+            <p:nvPr/>
+          </p:nvCxnSpPr>
+          <p:spPr>
+            <a:xfrm>
+              <a:off x="6657353" y="1545976"/>
+              <a:ext cx="2786067" cy="0"/>
+            </a:xfrm>
+            <a:prstGeom prst="straightConnector1">
+              <a:avLst/>
+            </a:prstGeom>
+            <a:noFill/>
+            <a:ln w="6345" cap="flat">
+              <a:solidFill>
+                <a:srgbClr val="5B9BD5"/>
+              </a:solidFill>
+              <a:prstDash val="solid"/>
+              <a:miter/>
+            </a:ln>
+          </p:spPr>
+        </p:cxnSp>
+      </p:grpSp>
+      <p:cxnSp>
+        <p:nvCxnSpPr>
+          <p:cNvPr id="28" name="Connecteur en angle 27"/>
+          <p:cNvCxnSpPr>
+            <a:stCxn id="44" idx="1"/>
+          </p:cNvCxnSpPr>
+          <p:nvPr/>
+        </p:nvCxnSpPr>
+        <p:spPr>
+          <a:xfrm rot="10800000">
+            <a:off x="7527548" y="2743649"/>
+            <a:ext cx="921021" cy="789073"/>
+          </a:xfrm>
+          <a:prstGeom prst="bentConnector3">
+            <a:avLst>
+              <a:gd name="adj1" fmla="val 50000"/>
+            </a:avLst>
+          </a:prstGeom>
+          <a:ln>
+            <a:solidFill>
+              <a:schemeClr val="tx1"/>
+            </a:solidFill>
+            <a:headEnd type="arrow"/>
+            <a:tailEnd type="none"/>
+          </a:ln>
+        </p:spPr>
+        <p:style>
+          <a:lnRef idx="1">
+            <a:schemeClr val="accent1"/>
+          </a:lnRef>
+          <a:fillRef idx="0">
+            <a:schemeClr val="accent1"/>
+          </a:fillRef>
+          <a:effectRef idx="0">
+            <a:schemeClr val="accent1"/>
+          </a:effectRef>
+          <a:fontRef idx="minor">
+            <a:schemeClr val="tx1"/>
+          </a:fontRef>
+        </p:style>
+      </p:cxnSp>
+      <p:cxnSp>
+        <p:nvCxnSpPr>
+          <p:cNvPr id="58" name="Connecteur en angle 57"/>
+          <p:cNvCxnSpPr/>
+          <p:nvPr/>
+        </p:nvCxnSpPr>
+        <p:spPr>
+          <a:xfrm rot="10800000">
+            <a:off x="5641555" y="1649641"/>
+            <a:ext cx="718619" cy="575160"/>
+          </a:xfrm>
+          <a:prstGeom prst="bentConnector3">
+            <a:avLst/>
+          </a:prstGeom>
+          <a:ln>
+            <a:solidFill>
+              <a:schemeClr val="tx1"/>
+            </a:solidFill>
+            <a:tailEnd type="arrow"/>
+          </a:ln>
+        </p:spPr>
+        <p:style>
+          <a:lnRef idx="1">
+            <a:schemeClr val="accent1"/>
+          </a:lnRef>
+          <a:fillRef idx="0">
+            <a:schemeClr val="accent1"/>
+          </a:fillRef>
+          <a:effectRef idx="0">
+            <a:schemeClr val="accent1"/>
+          </a:effectRef>
+          <a:fontRef idx="minor">
+            <a:schemeClr val="tx1"/>
+          </a:fontRef>
+        </p:style>
+      </p:cxnSp>
+      <p:sp>
+        <p:nvSpPr>
+          <p:cNvPr id="87" name="ZoneTexte 86"/>
+          <p:cNvSpPr txBox="1"/>
+          <p:nvPr/>
+        </p:nvSpPr>
+        <p:spPr>
+          <a:xfrm>
+            <a:off x="6376665" y="1778237"/>
+            <a:ext cx="1107427" cy="246221"/>
+          </a:xfrm>
+          <a:prstGeom prst="rect">
+            <a:avLst/>
+          </a:prstGeom>
+          <a:noFill/>
+        </p:spPr>
+        <p:txBody>
+          <a:bodyPr wrap="square" rtlCol="0">
+            <a:spAutoFit/>
+          </a:bodyPr>
+          <a:lstStyle/>
+          <a:p>
+            <a:r>
+              <a:rPr lang="fr-FR" sz="1000" dirty="0" err="1" smtClean="0">
+                <a:latin typeface="Calibri" panose="020F0502020204030204" pitchFamily="34" charset="0"/>
+                <a:cs typeface="Calibri" panose="020F0502020204030204" pitchFamily="34" charset="0"/>
+              </a:rPr>
+              <a:t>MedVid_Acteur</a:t>
+            </a:r>
+            <a:endParaRPr lang="fr-FR" sz="1000" dirty="0">
+              <a:latin typeface="Calibri" panose="020F0502020204030204" pitchFamily="34" charset="0"/>
+              <a:cs typeface="Calibri" panose="020F0502020204030204" pitchFamily="34" charset="0"/>
+            </a:endParaRPr>
+          </a:p>
+        </p:txBody>
+      </p:sp>
     </p:spTree>
   </p:cSld>
   <p:clrMapOvr>
     <a:masterClrMapping/>
   </p:clrMapOvr>
-  <mc:AlternateContent xmlns:mc="http://schemas.openxmlformats.org/markup-compatibility/2006">
-    <mc:Choice xmlns:p14="http://schemas.microsoft.com/office/powerpoint/2010/main" Requires="p14">
+  <mc:AlternateContent xmlns:mc="http://schemas.openxmlformats.org/markup-compatibility/2006" xmlns:p14="http://schemas.microsoft.com/office/powerpoint/2010/main">
+    <mc:Choice Requires="p14">
       <p:transition spd="slow" p14:dur="2000"/>
     </mc:Choice>
-    <mc:Fallback>
+    <mc:Fallback xmlns="">
       <p:transition spd="slow"/>
     </mc:Fallback>
   </mc:AlternateContent>

--- a/ProjetBDM_Model/Diagramme_nav.pptx
+++ b/ProjetBDM_Model/Diagramme_nav.pptx
@@ -217,7 +217,7 @@
             <a:fld id="{176FA891-F897-433A-941E-17CAE11ABBB2}" type="datetime1">
               <a:rPr lang="fr-FR"/>
               <a:pPr lvl="0"/>
-              <a:t>23/04/2017</a:t>
+              <a:t>01/05/2017</a:t>
             </a:fld>
             <a:endParaRPr lang="fr-FR"/>
           </a:p>
@@ -430,7 +430,7 @@
             <a:fld id="{0693D420-5B48-494D-B8EF-D4B91FE85097}" type="datetime1">
               <a:rPr lang="fr-FR"/>
               <a:pPr lvl="0"/>
-              <a:t>23/04/2017</a:t>
+              <a:t>01/05/2017</a:t>
             </a:fld>
             <a:endParaRPr lang="fr-FR"/>
           </a:p>
@@ -652,7 +652,7 @@
             <a:fld id="{F04BFC7A-9A9D-4E76-A84B-5888CAA7905B}" type="datetime1">
               <a:rPr lang="fr-FR"/>
               <a:pPr lvl="0"/>
-              <a:t>23/04/2017</a:t>
+              <a:t>01/05/2017</a:t>
             </a:fld>
             <a:endParaRPr lang="fr-FR"/>
           </a:p>
@@ -864,7 +864,7 @@
             <a:fld id="{B1A1A99C-DBF0-4B77-9B69-9284B66ED0A7}" type="datetime1">
               <a:rPr lang="fr-FR"/>
               <a:pPr lvl="0"/>
-              <a:t>23/04/2017</a:t>
+              <a:t>01/05/2017</a:t>
             </a:fld>
             <a:endParaRPr lang="fr-FR"/>
           </a:p>
@@ -1051,7 +1051,7 @@
             <a:fld id="{20EB90DE-39F1-4C08-A9A2-BE71E6976D13}" type="datetime1">
               <a:rPr lang="fr-FR"/>
               <a:pPr lvl="0"/>
-              <a:t>23/04/2017</a:t>
+              <a:t>01/05/2017</a:t>
             </a:fld>
             <a:endParaRPr lang="fr-FR"/>
           </a:p>
@@ -1340,7 +1340,7 @@
             <a:fld id="{55930782-B17B-410F-8948-11266F652AC8}" type="datetime1">
               <a:rPr lang="fr-FR"/>
               <a:pPr lvl="0"/>
-              <a:t>23/04/2017</a:t>
+              <a:t>01/05/2017</a:t>
             </a:fld>
             <a:endParaRPr lang="fr-FR"/>
           </a:p>
@@ -1700,7 +1700,7 @@
             <a:fld id="{4115FD12-1640-434C-B56A-51FE4C825019}" type="datetime1">
               <a:rPr lang="fr-FR"/>
               <a:pPr lvl="0"/>
-              <a:t>23/04/2017</a:t>
+              <a:t>01/05/2017</a:t>
             </a:fld>
             <a:endParaRPr lang="fr-FR"/>
           </a:p>
@@ -1845,7 +1845,7 @@
             <a:fld id="{5BEF5F67-F53C-416A-9A7F-3BEC4389EFF5}" type="datetime1">
               <a:rPr lang="fr-FR"/>
               <a:pPr lvl="0"/>
-              <a:t>23/04/2017</a:t>
+              <a:t>01/05/2017</a:t>
             </a:fld>
             <a:endParaRPr lang="fr-FR"/>
           </a:p>
@@ -1963,7 +1963,7 @@
             <a:fld id="{A27438AD-9B1D-4FAE-94D4-40E53458E1A4}" type="datetime1">
               <a:rPr lang="fr-FR"/>
               <a:pPr lvl="0"/>
-              <a:t>23/04/2017</a:t>
+              <a:t>01/05/2017</a:t>
             </a:fld>
             <a:endParaRPr lang="fr-FR"/>
           </a:p>
@@ -2218,7 +2218,7 @@
             <a:fld id="{D6AD8C18-F0BD-4F73-9815-280DA47C386E}" type="datetime1">
               <a:rPr lang="fr-FR"/>
               <a:pPr lvl="0"/>
-              <a:t>23/04/2017</a:t>
+              <a:t>01/05/2017</a:t>
             </a:fld>
             <a:endParaRPr lang="fr-FR"/>
           </a:p>
@@ -2431,7 +2431,7 @@
             <a:fld id="{9EA83F35-2992-41AD-8F48-F2D3C2004101}" type="datetime1">
               <a:rPr lang="fr-FR"/>
               <a:pPr lvl="0"/>
-              <a:t>23/04/2017</a:t>
+              <a:t>01/05/2017</a:t>
             </a:fld>
             <a:endParaRPr lang="fr-FR"/>
           </a:p>
@@ -2690,7 +2690,7 @@
             <a:fld id="{200E126A-F150-4D56-9C93-029D54B5EB17}" type="datetime1">
               <a:rPr lang="fr-FR"/>
               <a:pPr lvl="0"/>
-              <a:t>23/04/2017</a:t>
+              <a:t>01/05/2017</a:t>
             </a:fld>
             <a:endParaRPr lang="fr-FR"/>
           </a:p>
@@ -6871,6 +6871,156 @@
           </a:p>
         </p:txBody>
       </p:sp>
+      <p:cxnSp>
+        <p:nvCxnSpPr>
+          <p:cNvPr id="29" name="Connecteur en angle 28"/>
+          <p:cNvCxnSpPr>
+            <a:endCxn id="13" idx="3"/>
+          </p:cNvCxnSpPr>
+          <p:nvPr/>
+        </p:nvCxnSpPr>
+        <p:spPr>
+          <a:xfrm flipV="1">
+            <a:off x="2866790" y="2681770"/>
+            <a:ext cx="409787" cy="400512"/>
+          </a:xfrm>
+          <a:prstGeom prst="bentConnector3">
+            <a:avLst>
+              <a:gd name="adj1" fmla="val 155785"/>
+            </a:avLst>
+          </a:prstGeom>
+          <a:ln>
+            <a:solidFill>
+              <a:schemeClr val="tx1"/>
+            </a:solidFill>
+            <a:tailEnd type="arrow"/>
+          </a:ln>
+        </p:spPr>
+        <p:style>
+          <a:lnRef idx="1">
+            <a:schemeClr val="accent1"/>
+          </a:lnRef>
+          <a:fillRef idx="0">
+            <a:schemeClr val="accent1"/>
+          </a:fillRef>
+          <a:effectRef idx="0">
+            <a:schemeClr val="accent1"/>
+          </a:effectRef>
+          <a:fontRef idx="minor">
+            <a:schemeClr val="tx1"/>
+          </a:fontRef>
+        </p:style>
+      </p:cxnSp>
+      <p:cxnSp>
+        <p:nvCxnSpPr>
+          <p:cNvPr id="84" name="Connecteur droit avec flèche 83"/>
+          <p:cNvCxnSpPr/>
+          <p:nvPr/>
+        </p:nvCxnSpPr>
+        <p:spPr>
+          <a:xfrm flipH="1">
+            <a:off x="3015352" y="2935097"/>
+            <a:ext cx="408886" cy="0"/>
+          </a:xfrm>
+          <a:prstGeom prst="straightConnector1">
+            <a:avLst/>
+          </a:prstGeom>
+          <a:ln>
+            <a:solidFill>
+              <a:schemeClr val="tx1"/>
+            </a:solidFill>
+            <a:headEnd type="none"/>
+            <a:tailEnd type="arrow"/>
+          </a:ln>
+        </p:spPr>
+        <p:style>
+          <a:lnRef idx="1">
+            <a:schemeClr val="accent1"/>
+          </a:lnRef>
+          <a:fillRef idx="0">
+            <a:schemeClr val="accent1"/>
+          </a:fillRef>
+          <a:effectRef idx="0">
+            <a:schemeClr val="accent1"/>
+          </a:effectRef>
+          <a:fontRef idx="minor">
+            <a:schemeClr val="tx1"/>
+          </a:fontRef>
+        </p:style>
+      </p:cxnSp>
+      <p:cxnSp>
+        <p:nvCxnSpPr>
+          <p:cNvPr id="88" name="Connecteur en angle 87"/>
+          <p:cNvCxnSpPr/>
+          <p:nvPr/>
+        </p:nvCxnSpPr>
+        <p:spPr>
+          <a:xfrm rot="16200000" flipH="1">
+            <a:off x="2961922" y="2472780"/>
+            <a:ext cx="515747" cy="408886"/>
+          </a:xfrm>
+          <a:prstGeom prst="bentConnector3">
+            <a:avLst>
+              <a:gd name="adj1" fmla="val 136"/>
+            </a:avLst>
+          </a:prstGeom>
+          <a:ln>
+            <a:solidFill>
+              <a:schemeClr val="tx1"/>
+            </a:solidFill>
+          </a:ln>
+        </p:spPr>
+        <p:style>
+          <a:lnRef idx="1">
+            <a:schemeClr val="accent1"/>
+          </a:lnRef>
+          <a:fillRef idx="0">
+            <a:schemeClr val="accent1"/>
+          </a:fillRef>
+          <a:effectRef idx="0">
+            <a:schemeClr val="accent1"/>
+          </a:effectRef>
+          <a:fontRef idx="minor">
+            <a:schemeClr val="tx1"/>
+          </a:fontRef>
+        </p:style>
+      </p:cxnSp>
+      <p:cxnSp>
+        <p:nvCxnSpPr>
+          <p:cNvPr id="93" name="Connecteur droit avec flèche 92"/>
+          <p:cNvCxnSpPr/>
+          <p:nvPr/>
+        </p:nvCxnSpPr>
+        <p:spPr>
+          <a:xfrm flipH="1">
+            <a:off x="3056059" y="2931656"/>
+            <a:ext cx="308467" cy="4306"/>
+          </a:xfrm>
+          <a:prstGeom prst="straightConnector1">
+            <a:avLst/>
+          </a:prstGeom>
+          <a:ln>
+            <a:solidFill>
+              <a:schemeClr val="tx1"/>
+            </a:solidFill>
+            <a:tailEnd type="arrow"/>
+          </a:ln>
+        </p:spPr>
+        <p:style>
+          <a:lnRef idx="1">
+            <a:schemeClr val="accent1"/>
+          </a:lnRef>
+          <a:fillRef idx="0">
+            <a:schemeClr val="accent1"/>
+          </a:fillRef>
+          <a:effectRef idx="0">
+            <a:schemeClr val="accent1"/>
+          </a:effectRef>
+          <a:fontRef idx="minor">
+            <a:schemeClr val="tx1"/>
+          </a:fontRef>
+        </p:style>
+      </p:cxnSp>
     </p:spTree>
   </p:cSld>
   <p:clrMapOvr>

--- a/ProjetBDM_Model/Diagramme_nav.pptx
+++ b/ProjetBDM_Model/Diagramme_nav.pptx
@@ -217,9 +217,9 @@
             <a:fld id="{176FA891-F897-433A-941E-17CAE11ABBB2}" type="datetime1">
               <a:rPr lang="fr-FR"/>
               <a:pPr lvl="0"/>
-              <a:t>01/05/2017</a:t>
+              <a:t>03/05/2017</a:t>
             </a:fld>
-            <a:endParaRPr lang="fr-FR"/>
+            <a:endParaRPr lang="fr-FR" dirty="0"/>
           </a:p>
         </p:txBody>
       </p:sp>
@@ -243,7 +243,7 @@
           </a:lstStyle>
           <a:p>
             <a:pPr lvl="0"/>
-            <a:endParaRPr lang="fr-FR"/>
+            <a:endParaRPr lang="fr-FR" dirty="0"/>
           </a:p>
         </p:txBody>
       </p:sp>
@@ -270,7 +270,7 @@
             <a:fld id="{A7426BEE-B2EF-472E-BEA9-1AC6E33898FC}" type="slidenum">
               <a:t>‹N°›</a:t>
             </a:fld>
-            <a:endParaRPr lang="fr-FR"/>
+            <a:endParaRPr lang="fr-FR" dirty="0"/>
           </a:p>
         </p:txBody>
       </p:sp>
@@ -430,9 +430,9 @@
             <a:fld id="{0693D420-5B48-494D-B8EF-D4B91FE85097}" type="datetime1">
               <a:rPr lang="fr-FR"/>
               <a:pPr lvl="0"/>
-              <a:t>01/05/2017</a:t>
+              <a:t>03/05/2017</a:t>
             </a:fld>
-            <a:endParaRPr lang="fr-FR"/>
+            <a:endParaRPr lang="fr-FR" dirty="0"/>
           </a:p>
         </p:txBody>
       </p:sp>
@@ -456,7 +456,7 @@
           </a:lstStyle>
           <a:p>
             <a:pPr lvl="0"/>
-            <a:endParaRPr lang="fr-FR"/>
+            <a:endParaRPr lang="fr-FR" dirty="0"/>
           </a:p>
         </p:txBody>
       </p:sp>
@@ -483,7 +483,7 @@
             <a:fld id="{20B45C96-3F82-4E7A-8F9D-C2A2D423589B}" type="slidenum">
               <a:t>‹N°›</a:t>
             </a:fld>
-            <a:endParaRPr lang="fr-FR"/>
+            <a:endParaRPr lang="fr-FR" dirty="0"/>
           </a:p>
         </p:txBody>
       </p:sp>
@@ -652,9 +652,9 @@
             <a:fld id="{F04BFC7A-9A9D-4E76-A84B-5888CAA7905B}" type="datetime1">
               <a:rPr lang="fr-FR"/>
               <a:pPr lvl="0"/>
-              <a:t>01/05/2017</a:t>
+              <a:t>03/05/2017</a:t>
             </a:fld>
-            <a:endParaRPr lang="fr-FR"/>
+            <a:endParaRPr lang="fr-FR" dirty="0"/>
           </a:p>
         </p:txBody>
       </p:sp>
@@ -678,7 +678,7 @@
           </a:lstStyle>
           <a:p>
             <a:pPr lvl="0"/>
-            <a:endParaRPr lang="fr-FR"/>
+            <a:endParaRPr lang="fr-FR" dirty="0"/>
           </a:p>
         </p:txBody>
       </p:sp>
@@ -705,7 +705,7 @@
             <a:fld id="{32852A11-70B6-487E-8693-DF1C44D652AE}" type="slidenum">
               <a:t>‹N°›</a:t>
             </a:fld>
-            <a:endParaRPr lang="fr-FR"/>
+            <a:endParaRPr lang="fr-FR" dirty="0"/>
           </a:p>
         </p:txBody>
       </p:sp>
@@ -864,9 +864,9 @@
             <a:fld id="{B1A1A99C-DBF0-4B77-9B69-9284B66ED0A7}" type="datetime1">
               <a:rPr lang="fr-FR"/>
               <a:pPr lvl="0"/>
-              <a:t>01/05/2017</a:t>
+              <a:t>03/05/2017</a:t>
             </a:fld>
-            <a:endParaRPr lang="fr-FR"/>
+            <a:endParaRPr lang="fr-FR" dirty="0"/>
           </a:p>
         </p:txBody>
       </p:sp>
@@ -890,7 +890,7 @@
           </a:lstStyle>
           <a:p>
             <a:pPr lvl="0"/>
-            <a:endParaRPr lang="fr-FR"/>
+            <a:endParaRPr lang="fr-FR" dirty="0"/>
           </a:p>
         </p:txBody>
       </p:sp>
@@ -917,7 +917,7 @@
             <a:fld id="{9A7E617A-C635-458D-B0CA-8E49BA3800DF}" type="slidenum">
               <a:t>‹N°›</a:t>
             </a:fld>
-            <a:endParaRPr lang="fr-FR"/>
+            <a:endParaRPr lang="fr-FR" dirty="0"/>
           </a:p>
         </p:txBody>
       </p:sp>
@@ -1051,9 +1051,9 @@
             <a:fld id="{20EB90DE-39F1-4C08-A9A2-BE71E6976D13}" type="datetime1">
               <a:rPr lang="fr-FR"/>
               <a:pPr lvl="0"/>
-              <a:t>01/05/2017</a:t>
+              <a:t>03/05/2017</a:t>
             </a:fld>
-            <a:endParaRPr lang="fr-FR"/>
+            <a:endParaRPr lang="fr-FR" dirty="0"/>
           </a:p>
         </p:txBody>
       </p:sp>
@@ -1077,7 +1077,7 @@
           </a:lstStyle>
           <a:p>
             <a:pPr lvl="0"/>
-            <a:endParaRPr lang="fr-FR"/>
+            <a:endParaRPr lang="fr-FR" dirty="0"/>
           </a:p>
         </p:txBody>
       </p:sp>
@@ -1104,7 +1104,7 @@
             <a:fld id="{C8B70780-760D-4D65-97A2-3B92DBCCE5BB}" type="slidenum">
               <a:t>‹N°›</a:t>
             </a:fld>
-            <a:endParaRPr lang="fr-FR"/>
+            <a:endParaRPr lang="fr-FR" dirty="0"/>
           </a:p>
         </p:txBody>
       </p:sp>
@@ -1340,9 +1340,9 @@
             <a:fld id="{55930782-B17B-410F-8948-11266F652AC8}" type="datetime1">
               <a:rPr lang="fr-FR"/>
               <a:pPr lvl="0"/>
-              <a:t>01/05/2017</a:t>
+              <a:t>03/05/2017</a:t>
             </a:fld>
-            <a:endParaRPr lang="fr-FR"/>
+            <a:endParaRPr lang="fr-FR" dirty="0"/>
           </a:p>
         </p:txBody>
       </p:sp>
@@ -1366,7 +1366,7 @@
           </a:lstStyle>
           <a:p>
             <a:pPr lvl="0"/>
-            <a:endParaRPr lang="fr-FR"/>
+            <a:endParaRPr lang="fr-FR" dirty="0"/>
           </a:p>
         </p:txBody>
       </p:sp>
@@ -1393,7 +1393,7 @@
             <a:fld id="{2F8487AD-5774-436F-9700-1699911E9349}" type="slidenum">
               <a:t>‹N°›</a:t>
             </a:fld>
-            <a:endParaRPr lang="fr-FR"/>
+            <a:endParaRPr lang="fr-FR" dirty="0"/>
           </a:p>
         </p:txBody>
       </p:sp>
@@ -1700,9 +1700,9 @@
             <a:fld id="{4115FD12-1640-434C-B56A-51FE4C825019}" type="datetime1">
               <a:rPr lang="fr-FR"/>
               <a:pPr lvl="0"/>
-              <a:t>01/05/2017</a:t>
+              <a:t>03/05/2017</a:t>
             </a:fld>
-            <a:endParaRPr lang="fr-FR"/>
+            <a:endParaRPr lang="fr-FR" dirty="0"/>
           </a:p>
         </p:txBody>
       </p:sp>
@@ -1726,7 +1726,7 @@
           </a:lstStyle>
           <a:p>
             <a:pPr lvl="0"/>
-            <a:endParaRPr lang="fr-FR"/>
+            <a:endParaRPr lang="fr-FR" dirty="0"/>
           </a:p>
         </p:txBody>
       </p:sp>
@@ -1753,7 +1753,7 @@
             <a:fld id="{97EC9A74-9438-45BB-B3DF-23C9015C897A}" type="slidenum">
               <a:t>‹N°›</a:t>
             </a:fld>
-            <a:endParaRPr lang="fr-FR"/>
+            <a:endParaRPr lang="fr-FR" dirty="0"/>
           </a:p>
         </p:txBody>
       </p:sp>
@@ -1845,9 +1845,9 @@
             <a:fld id="{5BEF5F67-F53C-416A-9A7F-3BEC4389EFF5}" type="datetime1">
               <a:rPr lang="fr-FR"/>
               <a:pPr lvl="0"/>
-              <a:t>01/05/2017</a:t>
+              <a:t>03/05/2017</a:t>
             </a:fld>
-            <a:endParaRPr lang="fr-FR"/>
+            <a:endParaRPr lang="fr-FR" dirty="0"/>
           </a:p>
         </p:txBody>
       </p:sp>
@@ -1871,7 +1871,7 @@
           </a:lstStyle>
           <a:p>
             <a:pPr lvl="0"/>
-            <a:endParaRPr lang="fr-FR"/>
+            <a:endParaRPr lang="fr-FR" dirty="0"/>
           </a:p>
         </p:txBody>
       </p:sp>
@@ -1898,7 +1898,7 @@
             <a:fld id="{9AC6E882-527E-40DF-8A6D-B53C20664A54}" type="slidenum">
               <a:t>‹N°›</a:t>
             </a:fld>
-            <a:endParaRPr lang="fr-FR"/>
+            <a:endParaRPr lang="fr-FR" dirty="0"/>
           </a:p>
         </p:txBody>
       </p:sp>
@@ -1963,9 +1963,9 @@
             <a:fld id="{A27438AD-9B1D-4FAE-94D4-40E53458E1A4}" type="datetime1">
               <a:rPr lang="fr-FR"/>
               <a:pPr lvl="0"/>
-              <a:t>01/05/2017</a:t>
+              <a:t>03/05/2017</a:t>
             </a:fld>
-            <a:endParaRPr lang="fr-FR"/>
+            <a:endParaRPr lang="fr-FR" dirty="0"/>
           </a:p>
         </p:txBody>
       </p:sp>
@@ -1989,7 +1989,7 @@
           </a:lstStyle>
           <a:p>
             <a:pPr lvl="0"/>
-            <a:endParaRPr lang="fr-FR"/>
+            <a:endParaRPr lang="fr-FR" dirty="0"/>
           </a:p>
         </p:txBody>
       </p:sp>
@@ -2016,7 +2016,7 @@
             <a:fld id="{155C7E2F-FBA1-4F4D-B31E-FFCBA628EF73}" type="slidenum">
               <a:t>‹N°›</a:t>
             </a:fld>
-            <a:endParaRPr lang="fr-FR"/>
+            <a:endParaRPr lang="fr-FR" dirty="0"/>
           </a:p>
         </p:txBody>
       </p:sp>
@@ -2218,9 +2218,9 @@
             <a:fld id="{D6AD8C18-F0BD-4F73-9815-280DA47C386E}" type="datetime1">
               <a:rPr lang="fr-FR"/>
               <a:pPr lvl="0"/>
-              <a:t>01/05/2017</a:t>
+              <a:t>03/05/2017</a:t>
             </a:fld>
-            <a:endParaRPr lang="fr-FR"/>
+            <a:endParaRPr lang="fr-FR" dirty="0"/>
           </a:p>
         </p:txBody>
       </p:sp>
@@ -2244,7 +2244,7 @@
           </a:lstStyle>
           <a:p>
             <a:pPr lvl="0"/>
-            <a:endParaRPr lang="fr-FR"/>
+            <a:endParaRPr lang="fr-FR" dirty="0"/>
           </a:p>
         </p:txBody>
       </p:sp>
@@ -2271,7 +2271,7 @@
             <a:fld id="{32CB664D-2BAB-4B98-BC8A-C4583686A3D1}" type="slidenum">
               <a:t>‹N°›</a:t>
             </a:fld>
-            <a:endParaRPr lang="fr-FR"/>
+            <a:endParaRPr lang="fr-FR" dirty="0"/>
           </a:p>
         </p:txBody>
       </p:sp>
@@ -2371,7 +2371,7 @@
           </a:lstStyle>
           <a:p>
             <a:pPr lvl="0"/>
-            <a:endParaRPr lang="fr-FR"/>
+            <a:endParaRPr lang="fr-FR" dirty="0"/>
           </a:p>
         </p:txBody>
       </p:sp>
@@ -2431,9 +2431,9 @@
             <a:fld id="{9EA83F35-2992-41AD-8F48-F2D3C2004101}" type="datetime1">
               <a:rPr lang="fr-FR"/>
               <a:pPr lvl="0"/>
-              <a:t>01/05/2017</a:t>
+              <a:t>03/05/2017</a:t>
             </a:fld>
-            <a:endParaRPr lang="fr-FR"/>
+            <a:endParaRPr lang="fr-FR" dirty="0"/>
           </a:p>
         </p:txBody>
       </p:sp>
@@ -2457,7 +2457,7 @@
           </a:lstStyle>
           <a:p>
             <a:pPr lvl="0"/>
-            <a:endParaRPr lang="fr-FR"/>
+            <a:endParaRPr lang="fr-FR" dirty="0"/>
           </a:p>
         </p:txBody>
       </p:sp>
@@ -2484,7 +2484,7 @@
             <a:fld id="{FD186B3E-7CB3-44A6-A2B8-F82D1C6F802B}" type="slidenum">
               <a:t>‹N°›</a:t>
             </a:fld>
-            <a:endParaRPr lang="fr-FR"/>
+            <a:endParaRPr lang="fr-FR" dirty="0"/>
           </a:p>
         </p:txBody>
       </p:sp>
@@ -2690,9 +2690,9 @@
             <a:fld id="{200E126A-F150-4D56-9C93-029D54B5EB17}" type="datetime1">
               <a:rPr lang="fr-FR"/>
               <a:pPr lvl="0"/>
-              <a:t>01/05/2017</a:t>
+              <a:t>03/05/2017</a:t>
             </a:fld>
-            <a:endParaRPr lang="fr-FR"/>
+            <a:endParaRPr lang="fr-FR" dirty="0"/>
           </a:p>
         </p:txBody>
       </p:sp>
@@ -2747,7 +2747,7 @@
           </a:lstStyle>
           <a:p>
             <a:pPr lvl="0"/>
-            <a:endParaRPr lang="fr-FR"/>
+            <a:endParaRPr lang="fr-FR" dirty="0"/>
           </a:p>
         </p:txBody>
       </p:sp>
@@ -2805,7 +2805,7 @@
             <a:fld id="{13B9753B-FD06-49B4-BD06-8012AD36197A}" type="slidenum">
               <a:t>‹N°›</a:t>
             </a:fld>
-            <a:endParaRPr lang="fr-FR"/>
+            <a:endParaRPr lang="fr-FR" dirty="0"/>
           </a:p>
         </p:txBody>
       </p:sp>
@@ -3234,7 +3234,7 @@
                     <a:uFillTx/>
                   </a:defRPr>
                 </a:pPr>
-                <a:endParaRPr lang="fr-FR" sz="1800" b="0" i="0" u="none" strike="noStrike" kern="1200" cap="none" spc="0" baseline="0">
+                <a:endParaRPr lang="fr-FR" sz="1800" b="0" i="0" u="none" strike="noStrike" kern="1200" cap="none" spc="0" baseline="0" dirty="0">
                   <a:solidFill>
                     <a:srgbClr val="FFFFFF"/>
                   </a:solidFill>
@@ -3393,25 +3393,8 @@
                   <a:uFillTx/>
                   <a:latin typeface="Calibri"/>
                 </a:rPr>
-                <a:t>Media </a:t>
+                <a:t>Media Video</a:t>
               </a:r>
-              <a:r>
-                <a:rPr lang="fr-FR" sz="1000" b="0" i="0" u="none" strike="noStrike" kern="1200" cap="none" spc="0" baseline="0" dirty="0" err="1">
-                  <a:solidFill>
-                    <a:srgbClr val="000000"/>
-                  </a:solidFill>
-                  <a:uFillTx/>
-                  <a:latin typeface="Calibri"/>
-                </a:rPr>
-                <a:t>Video</a:t>
-              </a:r>
-              <a:endParaRPr lang="fr-FR" sz="1000" b="0" i="0" u="none" strike="noStrike" kern="1200" cap="none" spc="0" baseline="0" dirty="0">
-                <a:solidFill>
-                  <a:srgbClr val="000000"/>
-                </a:solidFill>
-                <a:uFillTx/>
-                <a:latin typeface="Calibri"/>
-              </a:endParaRPr>
             </a:p>
           </p:txBody>
         </p:sp>
@@ -3506,7 +3489,7 @@
                       <a:uFillTx/>
                     </a:defRPr>
                   </a:pPr>
-                  <a:endParaRPr lang="fr-FR" sz="1800" b="0" i="0" u="none" strike="noStrike" kern="1200" cap="none" spc="0" baseline="0">
+                  <a:endParaRPr lang="fr-FR" sz="1800" b="0" i="0" u="none" strike="noStrike" kern="1200" cap="none" spc="0" baseline="0" dirty="0">
                     <a:solidFill>
                       <a:srgbClr val="FFFFFF"/>
                     </a:solidFill>
@@ -3677,7 +3660,7 @@
                       <a:uFillTx/>
                     </a:defRPr>
                   </a:pPr>
-                  <a:endParaRPr lang="fr-FR" sz="1800" b="0" i="0" u="none" strike="noStrike" kern="1200" cap="none" spc="0" baseline="0">
+                  <a:endParaRPr lang="fr-FR" sz="1800" b="0" i="0" u="none" strike="noStrike" kern="1200" cap="none" spc="0" baseline="0" dirty="0">
                     <a:solidFill>
                       <a:srgbClr val="FFFFFF"/>
                     </a:solidFill>
@@ -3829,7 +3812,7 @@
                   <a:uFillTx/>
                 </a:defRPr>
               </a:pPr>
-              <a:endParaRPr lang="fr-FR" sz="800" b="0" i="0" u="none" strike="noStrike" kern="1200" cap="none" spc="0" baseline="0">
+              <a:endParaRPr lang="fr-FR" sz="800" b="0" i="0" u="none" strike="noStrike" kern="1200" cap="none" spc="0" baseline="0" dirty="0">
                 <a:solidFill>
                   <a:srgbClr val="000000"/>
                 </a:solidFill>
@@ -3884,7 +3867,7 @@
                 </a:defRPr>
               </a:pPr>
               <a:r>
-                <a:rPr lang="fr-FR" sz="1000" b="0" i="0" u="none" strike="noStrike" kern="1200" cap="none" spc="0" baseline="0">
+                <a:rPr lang="fr-FR" sz="1000" b="0" i="0" u="none" strike="noStrike" kern="1200" cap="none" spc="0" baseline="0" dirty="0">
                   <a:solidFill>
                     <a:srgbClr val="000000"/>
                   </a:solidFill>
@@ -3941,7 +3924,7 @@
                 </a:defRPr>
               </a:pPr>
               <a:r>
-                <a:rPr lang="fr-FR" sz="600" b="0" i="0" u="none" strike="noStrike" kern="1200" cap="none" spc="0" baseline="0">
+                <a:rPr lang="fr-FR" sz="600" b="0" i="0" u="none" strike="noStrike" kern="1200" cap="none" spc="0" baseline="0" dirty="0">
                   <a:solidFill>
                     <a:srgbClr val="000000"/>
                   </a:solidFill>
@@ -4032,7 +4015,7 @@
                     <a:uFillTx/>
                   </a:defRPr>
                 </a:pPr>
-                <a:endParaRPr lang="fr-FR" sz="1800" b="0" i="0" u="none" strike="noStrike" kern="1200" cap="none" spc="0" baseline="0">
+                <a:endParaRPr lang="fr-FR" sz="1800" b="0" i="0" u="none" strike="noStrike" kern="1200" cap="none" spc="0" baseline="0" dirty="0">
                   <a:solidFill>
                     <a:srgbClr val="FFFFFF"/>
                   </a:solidFill>
@@ -4275,7 +4258,7 @@
                     <a:uFillTx/>
                   </a:defRPr>
                 </a:pPr>
-                <a:endParaRPr lang="fr-FR" sz="1800" b="0" i="0" u="none" strike="noStrike" kern="1200" cap="none" spc="0" baseline="0">
+                <a:endParaRPr lang="fr-FR" sz="1800" b="0" i="0" u="none" strike="noStrike" kern="1200" cap="none" spc="0" baseline="0" dirty="0">
                   <a:solidFill>
                     <a:srgbClr val="FFFFFF"/>
                   </a:solidFill>
@@ -4518,7 +4501,7 @@
                     <a:uFillTx/>
                   </a:defRPr>
                 </a:pPr>
-                <a:endParaRPr lang="fr-FR" sz="1800" b="0" i="0" u="none" strike="noStrike" kern="1200" cap="none" spc="0" baseline="0">
+                <a:endParaRPr lang="fr-FR" sz="1800" b="0" i="0" u="none" strike="noStrike" kern="1200" cap="none" spc="0" baseline="0" dirty="0">
                   <a:solidFill>
                     <a:srgbClr val="FFFFFF"/>
                   </a:solidFill>
@@ -4670,7 +4653,7 @@
                 </a:defRPr>
               </a:pPr>
               <a:r>
-                <a:rPr lang="fr-FR" sz="700" b="0" i="0" u="none" strike="noStrike" kern="1200" cap="none" spc="0" baseline="0">
+                <a:rPr lang="fr-FR" sz="700" b="0" i="0" u="none" strike="noStrike" kern="1200" cap="none" spc="0" baseline="0" dirty="0">
                   <a:solidFill>
                     <a:srgbClr val="000000"/>
                   </a:solidFill>
@@ -4761,7 +4744,7 @@
                     <a:uFillTx/>
                   </a:defRPr>
                 </a:pPr>
-                <a:endParaRPr lang="fr-FR" sz="1800" b="0" i="0" u="none" strike="noStrike" kern="1200" cap="none" spc="0" baseline="0">
+                <a:endParaRPr lang="fr-FR" sz="1800" b="0" i="0" u="none" strike="noStrike" kern="1200" cap="none" spc="0" baseline="0" dirty="0">
                   <a:solidFill>
                     <a:srgbClr val="FFFFFF"/>
                   </a:solidFill>
@@ -4913,7 +4896,7 @@
                 </a:defRPr>
               </a:pPr>
               <a:r>
-                <a:rPr lang="fr-FR" sz="1000" b="0" i="0" u="none" strike="noStrike" kern="1200" cap="none" spc="0" baseline="0">
+                <a:rPr lang="fr-FR" sz="1000" b="0" i="0" u="none" strike="noStrike" kern="1200" cap="none" spc="0" baseline="0" dirty="0">
                   <a:solidFill>
                     <a:srgbClr val="000000"/>
                   </a:solidFill>
@@ -5004,7 +4987,7 @@
                     <a:uFillTx/>
                   </a:defRPr>
                 </a:pPr>
-                <a:endParaRPr lang="fr-FR" sz="1800" b="0" i="0" u="none" strike="noStrike" kern="1200" cap="none" spc="0" baseline="0">
+                <a:endParaRPr lang="fr-FR" sz="1800" b="0" i="0" u="none" strike="noStrike" kern="1200" cap="none" spc="0" baseline="0" dirty="0">
                   <a:solidFill>
                     <a:srgbClr val="FFFFFF"/>
                   </a:solidFill>
@@ -5156,7 +5139,7 @@
                 </a:defRPr>
               </a:pPr>
               <a:r>
-                <a:rPr lang="fr-FR" sz="1000" b="0" i="0" u="none" strike="noStrike" kern="1200" cap="none" spc="0" baseline="0">
+                <a:rPr lang="fr-FR" sz="1000" b="0" i="0" u="none" strike="noStrike" kern="1200" cap="none" spc="0" baseline="0" dirty="0">
                   <a:solidFill>
                     <a:srgbClr val="000000"/>
                   </a:solidFill>
@@ -5247,7 +5230,7 @@
                     <a:uFillTx/>
                   </a:defRPr>
                 </a:pPr>
-                <a:endParaRPr lang="fr-FR" sz="1800" b="0" i="0" u="none" strike="noStrike" kern="1200" cap="none" spc="0" baseline="0">
+                <a:endParaRPr lang="fr-FR" sz="1800" b="0" i="0" u="none" strike="noStrike" kern="1200" cap="none" spc="0" baseline="0" dirty="0">
                   <a:solidFill>
                     <a:srgbClr val="FFFFFF"/>
                   </a:solidFill>
@@ -5399,7 +5382,7 @@
                 </a:defRPr>
               </a:pPr>
               <a:r>
-                <a:rPr lang="fr-FR" sz="1000" b="0" i="0" u="none" strike="noStrike" kern="1200" cap="none" spc="0" baseline="0">
+                <a:rPr lang="fr-FR" sz="1000" b="0" i="0" u="none" strike="noStrike" kern="1200" cap="none" spc="0" baseline="0" dirty="0">
                   <a:solidFill>
                     <a:srgbClr val="000000"/>
                   </a:solidFill>
@@ -5833,8 +5816,8 @@
         </p:nvSpPr>
         <p:spPr>
           <a:xfrm>
-            <a:off x="4309632" y="834366"/>
-            <a:ext cx="1066674" cy="830997"/>
+            <a:off x="4265288" y="827811"/>
+            <a:ext cx="1186152" cy="707886"/>
           </a:xfrm>
           <a:prstGeom prst="rect">
             <a:avLst/>
@@ -5848,38 +5831,49 @@
           <a:lstStyle/>
           <a:p>
             <a:r>
-              <a:rPr lang="fr-FR" sz="800" dirty="0" err="1" smtClean="0"/>
+              <a:rPr lang="fr-FR" sz="800" dirty="0" smtClean="0"/>
+              <a:t>Integer</a:t>
+            </a:r>
+            <a:r>
+              <a:rPr lang="fr-FR" sz="800" dirty="0"/>
+              <a:t> Id </a:t>
+            </a:r>
+            <a:endParaRPr lang="fr-FR" sz="800" dirty="0" smtClean="0"/>
+          </a:p>
+          <a:p>
+            <a:r>
+              <a:rPr lang="fr-FR" sz="800" dirty="0"/>
+              <a:t>String </a:t>
+            </a:r>
+            <a:r>
+              <a:rPr lang="fr-FR" sz="800" dirty="0" smtClean="0"/>
               <a:t>DateSortie</a:t>
             </a:r>
+            <a:endParaRPr lang="fr-FR" sz="800" dirty="0" smtClean="0"/>
+          </a:p>
+          <a:p>
+            <a:r>
+              <a:rPr lang="fr-FR" sz="800" dirty="0"/>
+              <a:t>String </a:t>
+            </a:r>
             <a:r>
               <a:rPr lang="fr-FR" sz="800" dirty="0" smtClean="0"/>
-              <a:t> : Date</a:t>
-            </a:r>
-          </a:p>
-          <a:p>
+              <a:t>Nom</a:t>
+            </a:r>
+          </a:p>
+          <a:p>
+            <a:r>
+              <a:rPr lang="fr-FR" sz="800" dirty="0"/>
+              <a:t>String </a:t>
+            </a:r>
             <a:r>
               <a:rPr lang="fr-FR" sz="800" dirty="0" smtClean="0"/>
-              <a:t>Nom : String</a:t>
-            </a:r>
-          </a:p>
-          <a:p>
-            <a:r>
-              <a:rPr lang="fr-FR" sz="800" dirty="0" smtClean="0"/>
-              <a:t>Synopsis : String</a:t>
-            </a:r>
-          </a:p>
-          <a:p>
-            <a:endParaRPr lang="fr-FR" sz="800" dirty="0"/>
-          </a:p>
-          <a:p>
+              <a:t>Synopsis </a:t>
+            </a:r>
             <a:endParaRPr lang="fr-FR" sz="800" dirty="0" smtClean="0"/>
           </a:p>
           <a:p>
-            <a:r>
-              <a:rPr lang="fr-FR" sz="800" dirty="0" smtClean="0"/>
-              <a:t>Affiche()</a:t>
-            </a:r>
-            <a:endParaRPr lang="fr-FR" sz="800" dirty="0"/>
+            <a:endParaRPr lang="fr-FR" sz="800" dirty="0" smtClean="0"/>
           </a:p>
         </p:txBody>
       </p:sp>
@@ -5921,8 +5915,8 @@
         </p:nvSpPr>
         <p:spPr>
           <a:xfrm>
-            <a:off x="1470442" y="2127602"/>
-            <a:ext cx="1308399" cy="707886"/>
+            <a:off x="1402142" y="2110310"/>
+            <a:ext cx="1596719" cy="738664"/>
           </a:xfrm>
           <a:prstGeom prst="rect">
             <a:avLst/>
@@ -5936,41 +5930,57 @@
           <a:lstStyle/>
           <a:p>
             <a:r>
-              <a:rPr lang="fr-FR" sz="800" dirty="0" err="1" smtClean="0"/>
-              <a:t>NbE</a:t>
-            </a:r>
-            <a:r>
-              <a:rPr lang="fr-FR" sz="800" dirty="0" smtClean="0"/>
-              <a:t> : Int</a:t>
-            </a:r>
-          </a:p>
-          <a:p>
-            <a:r>
-              <a:rPr lang="fr-FR" sz="800" dirty="0" err="1" smtClean="0"/>
-              <a:t>BandeA</a:t>
-            </a:r>
-            <a:r>
-              <a:rPr lang="fr-FR" sz="800" dirty="0" smtClean="0"/>
-              <a:t> : </a:t>
-            </a:r>
-            <a:r>
-              <a:rPr lang="fr-FR" sz="800" dirty="0" err="1" smtClean="0"/>
-              <a:t>Video</a:t>
-            </a:r>
-            <a:endParaRPr lang="fr-FR" sz="800" dirty="0" smtClean="0"/>
-          </a:p>
-          <a:p>
-            <a:endParaRPr lang="fr-FR" sz="800" dirty="0"/>
-          </a:p>
-          <a:p>
-            <a:endParaRPr lang="fr-FR" sz="800" dirty="0" smtClean="0"/>
-          </a:p>
-          <a:p>
-            <a:r>
-              <a:rPr lang="fr-FR" sz="800" dirty="0" smtClean="0"/>
-              <a:t>Affiche()</a:t>
-            </a:r>
-            <a:endParaRPr lang="fr-FR" sz="800" dirty="0"/>
+              <a:rPr lang="fr-FR" sz="600" dirty="0" smtClean="0"/>
+              <a:t>NbE </a:t>
+            </a:r>
+            <a:r>
+              <a:rPr lang="fr-FR" sz="600" dirty="0" smtClean="0"/>
+              <a:t> </a:t>
+            </a:r>
+            <a:r>
+              <a:rPr lang="fr-FR" sz="600" dirty="0" smtClean="0"/>
+              <a:t>Int</a:t>
+            </a:r>
+          </a:p>
+          <a:p>
+            <a:r>
+              <a:rPr lang="fr-FR" sz="600" dirty="0" smtClean="0"/>
+              <a:t>BandeA ORDVideo</a:t>
+            </a:r>
+            <a:endParaRPr lang="fr-FR" sz="600" dirty="0" smtClean="0"/>
+          </a:p>
+          <a:p>
+            <a:endParaRPr lang="fr-FR" sz="600" dirty="0"/>
+          </a:p>
+          <a:p>
+            <a:endParaRPr lang="fr-FR" sz="600" dirty="0" smtClean="0"/>
+          </a:p>
+          <a:p>
+            <a:r>
+              <a:rPr lang="fr-FR" sz="600" dirty="0" smtClean="0"/>
+              <a:t>CompareImage (int</a:t>
+            </a:r>
+            <a:r>
+              <a:rPr lang="fr-FR" sz="600" dirty="0"/>
+              <a:t> id ) </a:t>
+            </a:r>
+            <a:r>
+              <a:rPr lang="fr-FR" sz="600" dirty="0" smtClean="0"/>
+              <a:t>:Double</a:t>
+            </a:r>
+          </a:p>
+          <a:p>
+            <a:r>
+              <a:rPr lang="fr-FR" sz="600" dirty="0" smtClean="0"/>
+              <a:t>GetActeurs</a:t>
+            </a:r>
+          </a:p>
+          <a:p>
+            <a:r>
+              <a:rPr lang="fr-FR" sz="600" dirty="0" smtClean="0"/>
+              <a:t>GetNbEpisodes</a:t>
+            </a:r>
+            <a:endParaRPr lang="fr-FR" sz="600" dirty="0"/>
           </a:p>
         </p:txBody>
       </p:sp>
@@ -5982,7 +5992,7 @@
         </p:nvCxnSpPr>
         <p:spPr>
           <a:xfrm>
-            <a:off x="1461165" y="2631533"/>
+            <a:off x="1461165" y="2523270"/>
             <a:ext cx="1554187" cy="0"/>
           </a:xfrm>
           <a:prstGeom prst="line">
@@ -6042,8 +6052,8 @@
         </p:nvSpPr>
         <p:spPr>
           <a:xfrm>
-            <a:off x="1665339" y="2895818"/>
-            <a:ext cx="1064341" cy="630942"/>
+            <a:off x="1621834" y="2913942"/>
+            <a:ext cx="1064341" cy="738664"/>
           </a:xfrm>
           <a:prstGeom prst="rect">
             <a:avLst/>
@@ -6057,52 +6067,36 @@
           <a:lstStyle/>
           <a:p>
             <a:r>
-              <a:rPr lang="fr-FR" sz="500" dirty="0" err="1" smtClean="0"/>
-              <a:t>Duree</a:t>
-            </a:r>
-            <a:r>
-              <a:rPr lang="fr-FR" sz="500" dirty="0"/>
-              <a:t> </a:t>
-            </a:r>
-            <a:r>
-              <a:rPr lang="fr-FR" sz="500" dirty="0" smtClean="0"/>
-              <a:t>: Int</a:t>
-            </a:r>
-          </a:p>
-          <a:p>
-            <a:r>
-              <a:rPr lang="fr-FR" sz="500" dirty="0" err="1" smtClean="0"/>
-              <a:t>NomE</a:t>
-            </a:r>
-            <a:r>
-              <a:rPr lang="fr-FR" sz="500" dirty="0" smtClean="0"/>
-              <a:t> : String</a:t>
-            </a:r>
-          </a:p>
-          <a:p>
-            <a:r>
-              <a:rPr lang="fr-FR" sz="500" dirty="0" err="1" smtClean="0"/>
-              <a:t>Numero</a:t>
-            </a:r>
-            <a:r>
-              <a:rPr lang="fr-FR" sz="500" dirty="0" smtClean="0"/>
-              <a:t> : Int</a:t>
-            </a:r>
-          </a:p>
-          <a:p>
-            <a:endParaRPr lang="fr-FR" sz="500" dirty="0"/>
-          </a:p>
-          <a:p>
-            <a:r>
-              <a:rPr lang="fr-FR" sz="500" dirty="0" smtClean="0"/>
-              <a:t>Affiche()</a:t>
-            </a:r>
-          </a:p>
-          <a:p>
-            <a:endParaRPr lang="fr-FR" sz="500" dirty="0"/>
-          </a:p>
-          <a:p>
-            <a:endParaRPr lang="fr-FR" sz="500" dirty="0"/>
+              <a:rPr lang="fr-FR" sz="600" dirty="0"/>
+              <a:t>Int Duree </a:t>
+            </a:r>
+            <a:endParaRPr lang="fr-FR" sz="600" dirty="0" smtClean="0"/>
+          </a:p>
+          <a:p>
+            <a:r>
+              <a:rPr lang="fr-FR" sz="600" dirty="0"/>
+              <a:t>String NomE </a:t>
+            </a:r>
+            <a:endParaRPr lang="fr-FR" sz="600" dirty="0" smtClean="0"/>
+          </a:p>
+          <a:p>
+            <a:r>
+              <a:rPr lang="fr-FR" sz="600" dirty="0"/>
+              <a:t>Int Numero </a:t>
+            </a:r>
+            <a:endParaRPr lang="fr-FR" sz="600" dirty="0" smtClean="0"/>
+          </a:p>
+          <a:p>
+            <a:endParaRPr lang="fr-FR" sz="600" dirty="0"/>
+          </a:p>
+          <a:p>
+            <a:endParaRPr lang="fr-FR" sz="600" dirty="0" smtClean="0"/>
+          </a:p>
+          <a:p>
+            <a:endParaRPr lang="fr-FR" sz="600" dirty="0"/>
+          </a:p>
+          <a:p>
+            <a:endParaRPr lang="fr-FR" sz="600" dirty="0"/>
           </a:p>
         </p:txBody>
       </p:sp>
@@ -6144,8 +6138,8 @@
         </p:nvSpPr>
         <p:spPr>
           <a:xfrm>
-            <a:off x="4497454" y="2935097"/>
-            <a:ext cx="1288075" cy="1077218"/>
+            <a:off x="4445918" y="2935097"/>
+            <a:ext cx="1339612" cy="1261884"/>
           </a:xfrm>
           <a:prstGeom prst="rect">
             <a:avLst/>
@@ -6159,26 +6153,19 @@
           <a:lstStyle/>
           <a:p>
             <a:r>
+              <a:rPr lang="fr-FR" sz="800" dirty="0"/>
+              <a:t>Int Note </a:t>
+            </a:r>
+            <a:endParaRPr lang="fr-FR" sz="800" dirty="0" smtClean="0"/>
+          </a:p>
+          <a:p>
+            <a:r>
               <a:rPr lang="fr-FR" sz="800" dirty="0" smtClean="0"/>
-              <a:t>Note : Int</a:t>
-            </a:r>
-          </a:p>
-          <a:p>
-            <a:r>
-              <a:rPr lang="fr-FR" sz="800" dirty="0" err="1" smtClean="0"/>
-              <a:t>PhotoC</a:t>
+              <a:t>OrdImage</a:t>
             </a:r>
             <a:r>
               <a:rPr lang="fr-FR" sz="800" dirty="0"/>
-              <a:t> </a:t>
-            </a:r>
-            <a:r>
-              <a:rPr lang="fr-FR" sz="800" dirty="0" smtClean="0"/>
-              <a:t>: </a:t>
-            </a:r>
-            <a:r>
-              <a:rPr lang="fr-FR" sz="800" dirty="0" err="1" smtClean="0"/>
-              <a:t>OrdImage</a:t>
+              <a:t> PhotoC </a:t>
             </a:r>
             <a:endParaRPr lang="fr-FR" sz="800" dirty="0" smtClean="0"/>
           </a:p>
@@ -6199,9 +6186,15 @@
           </a:p>
           <a:p>
             <a:r>
-              <a:rPr lang="fr-FR" sz="800" dirty="0" smtClean="0"/>
-              <a:t>Affiche()</a:t>
-            </a:r>
+              <a:rPr lang="fr-FR" sz="600" dirty="0" smtClean="0"/>
+              <a:t>CompareImage(id,pond_Avg,pond_CH,pond_PC) </a:t>
+            </a:r>
+            <a:r>
+              <a:rPr lang="fr-FR" sz="600" dirty="0"/>
+              <a:t>: Double</a:t>
+            </a:r>
+          </a:p>
+          <a:p>
             <a:endParaRPr lang="fr-FR" sz="800" dirty="0"/>
           </a:p>
         </p:txBody>
@@ -6214,8 +6207,8 @@
         </p:nvSpPr>
         <p:spPr>
           <a:xfrm>
-            <a:off x="1573305" y="5481232"/>
-            <a:ext cx="1308399" cy="954107"/>
+            <a:off x="1544123" y="5480209"/>
+            <a:ext cx="1358301" cy="954107"/>
           </a:xfrm>
           <a:prstGeom prst="rect">
             <a:avLst/>
@@ -6229,65 +6222,46 @@
           <a:lstStyle/>
           <a:p>
             <a:r>
+              <a:rPr lang="fr-FR" sz="800" dirty="0" smtClean="0"/>
+              <a:t>ORDImage </a:t>
+            </a:r>
+            <a:r>
               <a:rPr lang="fr-FR" sz="800" dirty="0"/>
-              <a:t>a</a:t>
-            </a:r>
+              <a:t>affiche </a:t>
+            </a:r>
+            <a:endParaRPr lang="fr-FR" sz="800" dirty="0" smtClean="0"/>
+          </a:p>
+          <a:p>
             <a:r>
               <a:rPr lang="fr-FR" sz="800" dirty="0" smtClean="0"/>
-              <a:t>ffiche : </a:t>
-            </a:r>
-            <a:r>
-              <a:rPr lang="fr-FR" sz="800" dirty="0" err="1" smtClean="0"/>
-              <a:t>StillImage</a:t>
+              <a:t>ORDVideo</a:t>
+            </a:r>
+            <a:r>
+              <a:rPr lang="fr-FR" sz="800" dirty="0"/>
+              <a:t> bandeA</a:t>
             </a:r>
             <a:endParaRPr lang="fr-FR" sz="800" dirty="0" smtClean="0"/>
           </a:p>
           <a:p>
             <a:r>
-              <a:rPr lang="fr-FR" sz="800" dirty="0" err="1"/>
-              <a:t>b</a:t>
-            </a:r>
-            <a:r>
-              <a:rPr lang="fr-FR" sz="800" dirty="0" err="1" smtClean="0"/>
-              <a:t>andeA</a:t>
-            </a:r>
+              <a:rPr lang="fr-FR" sz="800" dirty="0"/>
+              <a:t>Int nombreS</a:t>
+            </a:r>
+            <a:endParaRPr lang="fr-FR" sz="800" dirty="0" smtClean="0"/>
+          </a:p>
+          <a:p>
+            <a:endParaRPr lang="fr-FR" sz="800" dirty="0" smtClean="0"/>
+          </a:p>
+          <a:p>
             <a:r>
               <a:rPr lang="fr-FR" sz="800" dirty="0" smtClean="0"/>
-              <a:t> : </a:t>
-            </a:r>
-            <a:r>
-              <a:rPr lang="fr-FR" sz="800" dirty="0" err="1" smtClean="0"/>
-              <a:t>Video</a:t>
-            </a:r>
-            <a:endParaRPr lang="fr-FR" sz="800" dirty="0" smtClean="0"/>
-          </a:p>
-          <a:p>
-            <a:r>
-              <a:rPr lang="fr-FR" sz="800" dirty="0" err="1"/>
-              <a:t>n</a:t>
-            </a:r>
-            <a:r>
-              <a:rPr lang="fr-FR" sz="800" dirty="0" err="1" smtClean="0"/>
-              <a:t>ombreS</a:t>
-            </a:r>
+              <a:t>GetNbEpisodes()</a:t>
+            </a:r>
+          </a:p>
+          <a:p>
             <a:r>
               <a:rPr lang="fr-FR" sz="800" dirty="0" smtClean="0"/>
-              <a:t> : Int</a:t>
-            </a:r>
-          </a:p>
-          <a:p>
-            <a:endParaRPr lang="fr-FR" sz="800" dirty="0" smtClean="0"/>
-          </a:p>
-          <a:p>
-            <a:r>
-              <a:rPr lang="fr-FR" sz="800" dirty="0" smtClean="0"/>
-              <a:t>Affiche()</a:t>
-            </a:r>
-          </a:p>
-          <a:p>
-            <a:r>
-              <a:rPr lang="fr-FR" sz="800" dirty="0" err="1" smtClean="0"/>
-              <a:t>GetNbEpisodes</a:t>
+              <a:t>GetActeurs</a:t>
             </a:r>
             <a:r>
               <a:rPr lang="fr-FR" sz="800" dirty="0" smtClean="0"/>
@@ -6296,12 +6270,8 @@
           </a:p>
           <a:p>
             <a:r>
-              <a:rPr lang="fr-FR" sz="800" dirty="0" err="1" smtClean="0"/>
-              <a:t>GetActeurs</a:t>
-            </a:r>
-            <a:r>
               <a:rPr lang="fr-FR" sz="800" dirty="0" smtClean="0"/>
-              <a:t>()</a:t>
+              <a:t>CompareImage(id) : Double</a:t>
             </a:r>
             <a:endParaRPr lang="fr-FR" sz="800" dirty="0"/>
           </a:p>
@@ -6346,7 +6316,7 @@
         <p:spPr>
           <a:xfrm>
             <a:off x="3705253" y="5168234"/>
-            <a:ext cx="1373944" cy="954107"/>
+            <a:ext cx="1373944" cy="1077218"/>
           </a:xfrm>
           <a:prstGeom prst="rect">
             <a:avLst/>
@@ -6360,30 +6330,34 @@
           <a:lstStyle/>
           <a:p>
             <a:r>
+              <a:rPr lang="fr-FR" sz="800" dirty="0" smtClean="0"/>
+              <a:t>ORD</a:t>
+            </a:r>
+            <a:r>
+              <a:rPr lang="fr-FR" sz="800" dirty="0"/>
+              <a:t>Video bandeA </a:t>
+            </a:r>
+            <a:endParaRPr lang="fr-FR" sz="800" dirty="0" smtClean="0"/>
+          </a:p>
+          <a:p>
+            <a:r>
               <a:rPr lang="fr-FR" sz="800" dirty="0" err="1" smtClean="0"/>
-              <a:t>bandeA</a:t>
-            </a:r>
+              <a:t>ORDAudio</a:t>
+            </a:r>
+            <a:r>
+              <a:rPr lang="fr-FR" sz="800" dirty="0"/>
+              <a:t> bandeO </a:t>
+            </a:r>
+            <a:endParaRPr lang="fr-FR" sz="800" dirty="0" smtClean="0"/>
+          </a:p>
+          <a:p>
             <a:r>
               <a:rPr lang="fr-FR" sz="800" dirty="0" smtClean="0"/>
-              <a:t> : </a:t>
-            </a:r>
-            <a:r>
-              <a:rPr lang="fr-FR" sz="800" dirty="0" err="1" smtClean="0"/>
-              <a:t>Video</a:t>
+              <a:t>ORDImage affiche</a:t>
             </a:r>
             <a:endParaRPr lang="fr-FR" sz="800" dirty="0" smtClean="0"/>
           </a:p>
           <a:p>
-            <a:r>
-              <a:rPr lang="fr-FR" sz="800" dirty="0" err="1" smtClean="0"/>
-              <a:t>bandeO</a:t>
-            </a:r>
-            <a:r>
-              <a:rPr lang="fr-FR" sz="800" dirty="0" smtClean="0"/>
-              <a:t> : Audio</a:t>
-            </a:r>
-          </a:p>
-          <a:p>
             <a:endParaRPr lang="fr-FR" sz="800" dirty="0" smtClean="0"/>
           </a:p>
           <a:p>
@@ -6393,14 +6367,13 @@
             <a:endParaRPr lang="fr-FR" sz="800" dirty="0" smtClean="0"/>
           </a:p>
           <a:p>
-            <a:endParaRPr lang="fr-FR" sz="800" dirty="0"/>
-          </a:p>
-          <a:p>
-            <a:r>
-              <a:rPr lang="fr-FR" sz="800" dirty="0" smtClean="0"/>
-              <a:t>Affiche()</a:t>
-            </a:r>
-            <a:endParaRPr lang="fr-FR" sz="800" dirty="0"/>
+            <a:r>
+              <a:rPr lang="fr-FR" sz="800" dirty="0"/>
+              <a:t>CompareImage(id) : Double</a:t>
+            </a:r>
+          </a:p>
+          <a:p>
+            <a:endParaRPr lang="fr-FR" sz="800" dirty="0" smtClean="0"/>
           </a:p>
         </p:txBody>
       </p:sp>
@@ -6457,45 +6430,53 @@
           <a:lstStyle/>
           <a:p>
             <a:r>
-              <a:rPr lang="fr-FR" sz="800" dirty="0" err="1"/>
-              <a:t>d</a:t>
+              <a:rPr lang="fr-FR" sz="800" dirty="0" smtClean="0"/>
+              <a:t>String </a:t>
             </a:r>
             <a:r>
               <a:rPr lang="fr-FR" sz="800" dirty="0" err="1" smtClean="0"/>
-              <a:t>DN</a:t>
-            </a:r>
+              <a:t>dateNaiss</a:t>
+            </a:r>
+            <a:endParaRPr lang="fr-FR" sz="800" dirty="0" smtClean="0"/>
+          </a:p>
+          <a:p>
+            <a:r>
+              <a:rPr lang="fr-FR" sz="800" dirty="0"/>
+              <a:t>String Nom </a:t>
+            </a:r>
+            <a:endParaRPr lang="fr-FR" sz="800" dirty="0" smtClean="0"/>
+          </a:p>
+          <a:p>
             <a:r>
               <a:rPr lang="fr-FR" sz="800" dirty="0" smtClean="0"/>
-              <a:t> : Date</a:t>
-            </a:r>
-          </a:p>
-          <a:p>
+              <a:t>Prenoms[3] </a:t>
+            </a:r>
+            <a:r>
+              <a:rPr lang="fr-FR" sz="800" dirty="0"/>
+              <a:t>P</a:t>
+            </a:r>
             <a:r>
               <a:rPr lang="fr-FR" sz="800" dirty="0" smtClean="0"/>
-              <a:t>Nom : String</a:t>
-            </a:r>
-          </a:p>
-          <a:p>
-            <a:r>
-              <a:rPr lang="fr-FR" sz="800" dirty="0" err="1" smtClean="0"/>
-              <a:t>Prenoms</a:t>
-            </a:r>
+              <a:t>renoms</a:t>
+            </a:r>
+            <a:endParaRPr lang="fr-FR" sz="800" dirty="0" smtClean="0"/>
+          </a:p>
+          <a:p>
+            <a:endParaRPr lang="fr-FR" sz="800" dirty="0" smtClean="0"/>
+          </a:p>
+          <a:p>
+            <a:endParaRPr lang="fr-FR" sz="800" dirty="0"/>
+          </a:p>
+          <a:p>
             <a:r>
               <a:rPr lang="fr-FR" sz="800" dirty="0" smtClean="0"/>
-              <a:t>[] : String</a:t>
-            </a:r>
-          </a:p>
-          <a:p>
+              <a:t>Affiche</a:t>
+            </a:r>
+            <a:r>
+              <a:rPr lang="fr-FR" sz="800" dirty="0" smtClean="0"/>
+              <a:t>() : String</a:t>
+            </a:r>
             <a:endParaRPr lang="fr-FR" sz="800" dirty="0" smtClean="0"/>
-          </a:p>
-          <a:p>
-            <a:endParaRPr lang="fr-FR" sz="800" dirty="0"/>
-          </a:p>
-          <a:p>
-            <a:r>
-              <a:rPr lang="fr-FR" sz="800" dirty="0" smtClean="0"/>
-              <a:t>Affiche()</a:t>
-            </a:r>
           </a:p>
         </p:txBody>
       </p:sp>
@@ -6537,8 +6518,8 @@
         </p:nvSpPr>
         <p:spPr>
           <a:xfrm>
-            <a:off x="8635702" y="3077462"/>
-            <a:ext cx="779246" cy="215444"/>
+            <a:off x="8694526" y="3128401"/>
+            <a:ext cx="779246" cy="830997"/>
           </a:xfrm>
           <a:prstGeom prst="rect">
             <a:avLst/>
@@ -6553,7 +6534,29 @@
           <a:p>
             <a:r>
               <a:rPr lang="fr-FR" sz="800" dirty="0" smtClean="0"/>
-              <a:t>Affiche ()</a:t>
+              <a:t>Int Taille</a:t>
+            </a:r>
+          </a:p>
+          <a:p>
+            <a:endParaRPr lang="fr-FR" sz="800" dirty="0" smtClean="0"/>
+          </a:p>
+          <a:p>
+            <a:endParaRPr lang="fr-FR" sz="800" dirty="0"/>
+          </a:p>
+          <a:p>
+            <a:endParaRPr lang="fr-FR" sz="800" dirty="0" smtClean="0"/>
+          </a:p>
+          <a:p>
+            <a:endParaRPr lang="fr-FR" sz="800" dirty="0"/>
+          </a:p>
+          <a:p>
+            <a:r>
+              <a:rPr lang="fr-FR" sz="800" dirty="0" smtClean="0"/>
+              <a:t>Affiche </a:t>
+            </a:r>
+            <a:r>
+              <a:rPr lang="fr-FR" sz="800" dirty="0" smtClean="0"/>
+              <a:t>()</a:t>
             </a:r>
             <a:endParaRPr lang="fr-FR" sz="800" dirty="0"/>
           </a:p>
@@ -6567,8 +6570,8 @@
         </p:nvSpPr>
         <p:spPr>
           <a:xfrm>
-            <a:off x="10884066" y="5633375"/>
-            <a:ext cx="779246" cy="215444"/>
+            <a:off x="10901784" y="5667446"/>
+            <a:ext cx="779246" cy="707886"/>
           </a:xfrm>
           <a:prstGeom prst="rect">
             <a:avLst/>
@@ -6581,9 +6584,25 @@
           </a:bodyPr>
           <a:lstStyle/>
           <a:p>
+            <a:endParaRPr lang="fr-FR" sz="800" dirty="0" smtClean="0"/>
+          </a:p>
+          <a:p>
+            <a:endParaRPr lang="fr-FR" sz="800" dirty="0"/>
+          </a:p>
+          <a:p>
+            <a:endParaRPr lang="fr-FR" sz="800" dirty="0" smtClean="0"/>
+          </a:p>
+          <a:p>
+            <a:endParaRPr lang="fr-FR" sz="800" dirty="0"/>
+          </a:p>
+          <a:p>
             <a:r>
               <a:rPr lang="fr-FR" sz="800" dirty="0" smtClean="0"/>
-              <a:t>Affiche ()</a:t>
+              <a:t>Affiche </a:t>
+            </a:r>
+            <a:r>
+              <a:rPr lang="fr-FR" sz="800" dirty="0" smtClean="0"/>
+              <a:t>()</a:t>
             </a:r>
             <a:endParaRPr lang="fr-FR" sz="800" dirty="0"/>
           </a:p>
@@ -6651,7 +6670,7 @@
                   <a:uFillTx/>
                 </a:defRPr>
               </a:pPr>
-              <a:endParaRPr lang="fr-FR" sz="1800" b="0" i="0" u="none" strike="noStrike" kern="1200" cap="none" spc="0" baseline="0">
+              <a:endParaRPr lang="fr-FR" sz="1800" b="0" i="0" u="none" strike="noStrike" kern="1200" cap="none" spc="0" baseline="0" dirty="0">
                 <a:solidFill>
                   <a:srgbClr val="FFFFFF"/>
                 </a:solidFill>
@@ -6858,7 +6877,7 @@
           <a:lstStyle/>
           <a:p>
             <a:r>
-              <a:rPr lang="fr-FR" sz="1000" dirty="0" err="1" smtClean="0">
+              <a:rPr lang="fr-FR" sz="1000" dirty="0" smtClean="0">
                 <a:latin typeface="Calibri" panose="020F0502020204030204" pitchFamily="34" charset="0"/>
                 <a:cs typeface="Calibri" panose="020F0502020204030204" pitchFamily="34" charset="0"/>
               </a:rPr>
@@ -7005,6 +7024,66 @@
             </a:solidFill>
             <a:tailEnd type="arrow"/>
           </a:ln>
+        </p:spPr>
+        <p:style>
+          <a:lnRef idx="1">
+            <a:schemeClr val="accent1"/>
+          </a:lnRef>
+          <a:fillRef idx="0">
+            <a:schemeClr val="accent1"/>
+          </a:fillRef>
+          <a:effectRef idx="0">
+            <a:schemeClr val="accent1"/>
+          </a:effectRef>
+          <a:fontRef idx="minor">
+            <a:schemeClr val="tx1"/>
+          </a:fontRef>
+        </p:style>
+      </p:cxnSp>
+      <p:cxnSp>
+        <p:nvCxnSpPr>
+          <p:cNvPr id="124" name="Connecteur droit 123"/>
+          <p:cNvCxnSpPr/>
+          <p:nvPr/>
+        </p:nvCxnSpPr>
+        <p:spPr>
+          <a:xfrm>
+            <a:off x="8650768" y="3765975"/>
+            <a:ext cx="1284930" cy="1439"/>
+          </a:xfrm>
+          <a:prstGeom prst="line">
+            <a:avLst/>
+          </a:prstGeom>
+        </p:spPr>
+        <p:style>
+          <a:lnRef idx="1">
+            <a:schemeClr val="accent1"/>
+          </a:lnRef>
+          <a:fillRef idx="0">
+            <a:schemeClr val="accent1"/>
+          </a:fillRef>
+          <a:effectRef idx="0">
+            <a:schemeClr val="accent1"/>
+          </a:effectRef>
+          <a:fontRef idx="minor">
+            <a:schemeClr val="tx1"/>
+          </a:fontRef>
+        </p:style>
+      </p:cxnSp>
+      <p:cxnSp>
+        <p:nvCxnSpPr>
+          <p:cNvPr id="128" name="Connecteur droit 127"/>
+          <p:cNvCxnSpPr/>
+          <p:nvPr/>
+        </p:nvCxnSpPr>
+        <p:spPr>
+          <a:xfrm>
+            <a:off x="10903268" y="6170554"/>
+            <a:ext cx="835953" cy="7214"/>
+          </a:xfrm>
+          <a:prstGeom prst="line">
+            <a:avLst/>
+          </a:prstGeom>
         </p:spPr>
         <p:style>
           <a:lnRef idx="1">

--- a/ProjetBDM_Model/Diagramme_nav.pptx
+++ b/ProjetBDM_Model/Diagramme_nav.pptx
@@ -217,7 +217,7 @@
             <a:fld id="{176FA891-F897-433A-941E-17CAE11ABBB2}" type="datetime1">
               <a:rPr lang="fr-FR"/>
               <a:pPr lvl="0"/>
-              <a:t>03/05/2017</a:t>
+              <a:t>08/05/2017</a:t>
             </a:fld>
             <a:endParaRPr lang="fr-FR" dirty="0"/>
           </a:p>
@@ -430,7 +430,7 @@
             <a:fld id="{0693D420-5B48-494D-B8EF-D4B91FE85097}" type="datetime1">
               <a:rPr lang="fr-FR"/>
               <a:pPr lvl="0"/>
-              <a:t>03/05/2017</a:t>
+              <a:t>08/05/2017</a:t>
             </a:fld>
             <a:endParaRPr lang="fr-FR" dirty="0"/>
           </a:p>
@@ -652,7 +652,7 @@
             <a:fld id="{F04BFC7A-9A9D-4E76-A84B-5888CAA7905B}" type="datetime1">
               <a:rPr lang="fr-FR"/>
               <a:pPr lvl="0"/>
-              <a:t>03/05/2017</a:t>
+              <a:t>08/05/2017</a:t>
             </a:fld>
             <a:endParaRPr lang="fr-FR" dirty="0"/>
           </a:p>
@@ -864,7 +864,7 @@
             <a:fld id="{B1A1A99C-DBF0-4B77-9B69-9284B66ED0A7}" type="datetime1">
               <a:rPr lang="fr-FR"/>
               <a:pPr lvl="0"/>
-              <a:t>03/05/2017</a:t>
+              <a:t>08/05/2017</a:t>
             </a:fld>
             <a:endParaRPr lang="fr-FR" dirty="0"/>
           </a:p>
@@ -1051,7 +1051,7 @@
             <a:fld id="{20EB90DE-39F1-4C08-A9A2-BE71E6976D13}" type="datetime1">
               <a:rPr lang="fr-FR"/>
               <a:pPr lvl="0"/>
-              <a:t>03/05/2017</a:t>
+              <a:t>08/05/2017</a:t>
             </a:fld>
             <a:endParaRPr lang="fr-FR" dirty="0"/>
           </a:p>
@@ -1340,7 +1340,7 @@
             <a:fld id="{55930782-B17B-410F-8948-11266F652AC8}" type="datetime1">
               <a:rPr lang="fr-FR"/>
               <a:pPr lvl="0"/>
-              <a:t>03/05/2017</a:t>
+              <a:t>08/05/2017</a:t>
             </a:fld>
             <a:endParaRPr lang="fr-FR" dirty="0"/>
           </a:p>
@@ -1700,7 +1700,7 @@
             <a:fld id="{4115FD12-1640-434C-B56A-51FE4C825019}" type="datetime1">
               <a:rPr lang="fr-FR"/>
               <a:pPr lvl="0"/>
-              <a:t>03/05/2017</a:t>
+              <a:t>08/05/2017</a:t>
             </a:fld>
             <a:endParaRPr lang="fr-FR" dirty="0"/>
           </a:p>
@@ -1845,7 +1845,7 @@
             <a:fld id="{5BEF5F67-F53C-416A-9A7F-3BEC4389EFF5}" type="datetime1">
               <a:rPr lang="fr-FR"/>
               <a:pPr lvl="0"/>
-              <a:t>03/05/2017</a:t>
+              <a:t>08/05/2017</a:t>
             </a:fld>
             <a:endParaRPr lang="fr-FR" dirty="0"/>
           </a:p>
@@ -1963,7 +1963,7 @@
             <a:fld id="{A27438AD-9B1D-4FAE-94D4-40E53458E1A4}" type="datetime1">
               <a:rPr lang="fr-FR"/>
               <a:pPr lvl="0"/>
-              <a:t>03/05/2017</a:t>
+              <a:t>08/05/2017</a:t>
             </a:fld>
             <a:endParaRPr lang="fr-FR" dirty="0"/>
           </a:p>
@@ -2218,7 +2218,7 @@
             <a:fld id="{D6AD8C18-F0BD-4F73-9815-280DA47C386E}" type="datetime1">
               <a:rPr lang="fr-FR"/>
               <a:pPr lvl="0"/>
-              <a:t>03/05/2017</a:t>
+              <a:t>08/05/2017</a:t>
             </a:fld>
             <a:endParaRPr lang="fr-FR" dirty="0"/>
           </a:p>
@@ -2431,7 +2431,7 @@
             <a:fld id="{9EA83F35-2992-41AD-8F48-F2D3C2004101}" type="datetime1">
               <a:rPr lang="fr-FR"/>
               <a:pPr lvl="0"/>
-              <a:t>03/05/2017</a:t>
+              <a:t>08/05/2017</a:t>
             </a:fld>
             <a:endParaRPr lang="fr-FR" dirty="0"/>
           </a:p>
@@ -2690,7 +2690,7 @@
             <a:fld id="{200E126A-F150-4D56-9C93-029D54B5EB17}" type="datetime1">
               <a:rPr lang="fr-FR"/>
               <a:pPr lvl="0"/>
-              <a:t>03/05/2017</a:t>
+              <a:t>08/05/2017</a:t>
             </a:fld>
             <a:endParaRPr lang="fr-FR" dirty="0"/>
           </a:p>
@@ -5817,7 +5817,7 @@
         <p:spPr>
           <a:xfrm>
             <a:off x="4265288" y="827811"/>
-            <a:ext cx="1186152" cy="707886"/>
+            <a:ext cx="1186152" cy="830997"/>
           </a:xfrm>
           <a:prstGeom prst="rect">
             <a:avLst/>
@@ -5849,7 +5849,6 @@
               <a:rPr lang="fr-FR" sz="800" dirty="0" smtClean="0"/>
               <a:t>DateSortie</a:t>
             </a:r>
-            <a:endParaRPr lang="fr-FR" sz="800" dirty="0" smtClean="0"/>
           </a:p>
           <a:p>
             <a:r>
@@ -5869,6 +5868,13 @@
             <a:r>
               <a:rPr lang="fr-FR" sz="800" dirty="0" smtClean="0"/>
               <a:t>Synopsis </a:t>
+            </a:r>
+            <a:endParaRPr lang="fr-FR" sz="800" dirty="0" smtClean="0"/>
+          </a:p>
+          <a:p>
+            <a:r>
+              <a:rPr lang="fr-FR" sz="800" dirty="0" smtClean="0"/>
+              <a:t>String genre</a:t>
             </a:r>
             <a:endParaRPr lang="fr-FR" sz="800" dirty="0" smtClean="0"/>
           </a:p>
@@ -5885,7 +5891,7 @@
         </p:nvCxnSpPr>
         <p:spPr>
           <a:xfrm>
-            <a:off x="4309632" y="1444732"/>
+            <a:off x="4291042" y="1496983"/>
             <a:ext cx="1203807" cy="0"/>
           </a:xfrm>
           <a:prstGeom prst="line">
@@ -5916,7 +5922,7 @@
         <p:spPr>
           <a:xfrm>
             <a:off x="1402142" y="2110310"/>
-            <a:ext cx="1596719" cy="738664"/>
+            <a:ext cx="1596719" cy="615553"/>
           </a:xfrm>
           <a:prstGeom prst="rect">
             <a:avLst/>
@@ -5930,57 +5936,48 @@
           <a:lstStyle/>
           <a:p>
             <a:r>
-              <a:rPr lang="fr-FR" sz="600" dirty="0" smtClean="0"/>
-              <a:t>NbE </a:t>
-            </a:r>
-            <a:r>
-              <a:rPr lang="fr-FR" sz="600" dirty="0" smtClean="0"/>
-              <a:t> </a:t>
-            </a:r>
-            <a:r>
-              <a:rPr lang="fr-FR" sz="600" dirty="0" smtClean="0"/>
-              <a:t>Int</a:t>
-            </a:r>
-          </a:p>
-          <a:p>
-            <a:r>
-              <a:rPr lang="fr-FR" sz="600" dirty="0" smtClean="0"/>
+              <a:rPr lang="fr-FR" sz="700" dirty="0" smtClean="0"/>
+              <a:t>NbE  Int</a:t>
+            </a:r>
+          </a:p>
+          <a:p>
+            <a:r>
+              <a:rPr lang="fr-FR" sz="700" dirty="0" smtClean="0"/>
               <a:t>BandeA ORDVideo</a:t>
             </a:r>
+          </a:p>
+          <a:p>
+            <a:r>
+              <a:rPr lang="fr-FR" sz="700" dirty="0" smtClean="0"/>
+              <a:t>Int </a:t>
+            </a:r>
+            <a:r>
+              <a:rPr lang="fr-FR" sz="700" dirty="0" err="1" smtClean="0"/>
+              <a:t>numS</a:t>
+            </a:r>
+            <a:endParaRPr lang="fr-FR" sz="700" dirty="0"/>
+          </a:p>
+          <a:p>
             <a:endParaRPr lang="fr-FR" sz="600" dirty="0" smtClean="0"/>
           </a:p>
           <a:p>
-            <a:endParaRPr lang="fr-FR" sz="600" dirty="0"/>
-          </a:p>
-          <a:p>
-            <a:endParaRPr lang="fr-FR" sz="600" dirty="0" smtClean="0"/>
-          </a:p>
-          <a:p>
-            <a:r>
-              <a:rPr lang="fr-FR" sz="600" dirty="0" smtClean="0"/>
+            <a:r>
+              <a:rPr lang="fr-FR" sz="700" dirty="0" smtClean="0"/>
               <a:t>CompareImage (int</a:t>
             </a:r>
             <a:r>
-              <a:rPr lang="fr-FR" sz="600" dirty="0"/>
+              <a:rPr lang="fr-FR" sz="700" dirty="0"/>
               <a:t> id ) </a:t>
             </a:r>
             <a:r>
-              <a:rPr lang="fr-FR" sz="600" dirty="0" smtClean="0"/>
-              <a:t>:Double</a:t>
-            </a:r>
-          </a:p>
-          <a:p>
-            <a:r>
-              <a:rPr lang="fr-FR" sz="600" dirty="0" smtClean="0"/>
-              <a:t>GetActeurs</a:t>
-            </a:r>
-          </a:p>
-          <a:p>
-            <a:r>
-              <a:rPr lang="fr-FR" sz="600" dirty="0" smtClean="0"/>
-              <a:t>GetNbEpisodes</a:t>
-            </a:r>
-            <a:endParaRPr lang="fr-FR" sz="600" dirty="0"/>
+              <a:rPr lang="fr-FR" sz="700" dirty="0" smtClean="0"/>
+              <a:t>:</a:t>
+            </a:r>
+            <a:r>
+              <a:rPr lang="fr-FR" sz="700" dirty="0" smtClean="0"/>
+              <a:t>Double</a:t>
+            </a:r>
+            <a:endParaRPr lang="fr-FR" sz="700" dirty="0" smtClean="0"/>
           </a:p>
         </p:txBody>
       </p:sp>
@@ -6052,8 +6049,8 @@
         </p:nvSpPr>
         <p:spPr>
           <a:xfrm>
-            <a:off x="1621834" y="2913942"/>
-            <a:ext cx="1064341" cy="738664"/>
+            <a:off x="1583481" y="2887463"/>
+            <a:ext cx="1064341" cy="846386"/>
           </a:xfrm>
           <a:prstGeom prst="rect">
             <a:avLst/>
@@ -6067,36 +6064,36 @@
           <a:lstStyle/>
           <a:p>
             <a:r>
-              <a:rPr lang="fr-FR" sz="600" dirty="0"/>
+              <a:rPr lang="fr-FR" sz="700" dirty="0"/>
               <a:t>Int Duree </a:t>
             </a:r>
-            <a:endParaRPr lang="fr-FR" sz="600" dirty="0" smtClean="0"/>
-          </a:p>
-          <a:p>
-            <a:r>
-              <a:rPr lang="fr-FR" sz="600" dirty="0"/>
+            <a:endParaRPr lang="fr-FR" sz="700" dirty="0" smtClean="0"/>
+          </a:p>
+          <a:p>
+            <a:r>
+              <a:rPr lang="fr-FR" sz="700" dirty="0"/>
               <a:t>String NomE </a:t>
             </a:r>
-            <a:endParaRPr lang="fr-FR" sz="600" dirty="0" smtClean="0"/>
-          </a:p>
-          <a:p>
-            <a:r>
-              <a:rPr lang="fr-FR" sz="600" dirty="0"/>
+            <a:endParaRPr lang="fr-FR" sz="700" dirty="0" smtClean="0"/>
+          </a:p>
+          <a:p>
+            <a:r>
+              <a:rPr lang="fr-FR" sz="700" dirty="0"/>
               <a:t>Int Numero </a:t>
             </a:r>
-            <a:endParaRPr lang="fr-FR" sz="600" dirty="0" smtClean="0"/>
-          </a:p>
-          <a:p>
-            <a:endParaRPr lang="fr-FR" sz="600" dirty="0"/>
-          </a:p>
-          <a:p>
-            <a:endParaRPr lang="fr-FR" sz="600" dirty="0" smtClean="0"/>
-          </a:p>
-          <a:p>
-            <a:endParaRPr lang="fr-FR" sz="600" dirty="0"/>
-          </a:p>
-          <a:p>
-            <a:endParaRPr lang="fr-FR" sz="600" dirty="0"/>
+            <a:endParaRPr lang="fr-FR" sz="700" dirty="0" smtClean="0"/>
+          </a:p>
+          <a:p>
+            <a:endParaRPr lang="fr-FR" sz="700" dirty="0"/>
+          </a:p>
+          <a:p>
+            <a:endParaRPr lang="fr-FR" sz="700" dirty="0" smtClean="0"/>
+          </a:p>
+          <a:p>
+            <a:endParaRPr lang="fr-FR" sz="700" dirty="0"/>
+          </a:p>
+          <a:p>
+            <a:endParaRPr lang="fr-FR" sz="700" dirty="0"/>
           </a:p>
         </p:txBody>
       </p:sp>
@@ -6208,7 +6205,7 @@
         <p:spPr>
           <a:xfrm>
             <a:off x="1544123" y="5480209"/>
-            <a:ext cx="1358301" cy="954107"/>
+            <a:ext cx="1358301" cy="1077218"/>
           </a:xfrm>
           <a:prstGeom prst="rect">
             <a:avLst/>
@@ -6223,7 +6220,40 @@
           <a:p>
             <a:r>
               <a:rPr lang="fr-FR" sz="800" dirty="0" smtClean="0"/>
-              <a:t>ORDImage </a:t>
+              <a:t>String </a:t>
+            </a:r>
+            <a:r>
+              <a:rPr lang="fr-FR" sz="800" dirty="0" err="1" smtClean="0"/>
+              <a:t>nomS</a:t>
+            </a:r>
+            <a:endParaRPr lang="fr-FR" sz="800" dirty="0" smtClean="0"/>
+          </a:p>
+          <a:p>
+            <a:r>
+              <a:rPr lang="fr-FR" sz="800" dirty="0" smtClean="0"/>
+              <a:t>Int </a:t>
+            </a:r>
+            <a:r>
+              <a:rPr lang="fr-FR" sz="800" dirty="0" err="1" smtClean="0"/>
+              <a:t>nombreS</a:t>
+            </a:r>
+            <a:endParaRPr lang="fr-FR" sz="800" dirty="0" smtClean="0"/>
+          </a:p>
+          <a:p>
+            <a:r>
+              <a:rPr lang="fr-FR" sz="800" dirty="0" smtClean="0"/>
+              <a:t>String genre</a:t>
+            </a:r>
+            <a:endParaRPr lang="fr-FR" sz="800" dirty="0"/>
+          </a:p>
+          <a:p>
+            <a:r>
+              <a:rPr lang="fr-FR" sz="800" dirty="0" err="1" smtClean="0"/>
+              <a:t>ORDImage</a:t>
+            </a:r>
+            <a:r>
+              <a:rPr lang="fr-FR" sz="800" dirty="0" smtClean="0"/>
+              <a:t> </a:t>
             </a:r>
             <a:r>
               <a:rPr lang="fr-FR" sz="800" dirty="0"/>
@@ -6245,7 +6275,11 @@
           <a:p>
             <a:r>
               <a:rPr lang="fr-FR" sz="800" dirty="0"/>
-              <a:t>Int nombreS</a:t>
+              <a:t>Int </a:t>
+            </a:r>
+            <a:r>
+              <a:rPr lang="fr-FR" sz="800" dirty="0" err="1" smtClean="0"/>
+              <a:t>nombreS</a:t>
             </a:r>
             <a:endParaRPr lang="fr-FR" sz="800" dirty="0" smtClean="0"/>
           </a:p>
@@ -6253,26 +6287,6 @@
             <a:endParaRPr lang="fr-FR" sz="800" dirty="0" smtClean="0"/>
           </a:p>
           <a:p>
-            <a:r>
-              <a:rPr lang="fr-FR" sz="800" dirty="0" smtClean="0"/>
-              <a:t>GetNbEpisodes()</a:t>
-            </a:r>
-          </a:p>
-          <a:p>
-            <a:r>
-              <a:rPr lang="fr-FR" sz="800" dirty="0" smtClean="0"/>
-              <a:t>GetActeurs</a:t>
-            </a:r>
-            <a:r>
-              <a:rPr lang="fr-FR" sz="800" dirty="0" smtClean="0"/>
-              <a:t>()</a:t>
-            </a:r>
-          </a:p>
-          <a:p>
-            <a:r>
-              <a:rPr lang="fr-FR" sz="800" dirty="0" smtClean="0"/>
-              <a:t>CompareImage(id) : Double</a:t>
-            </a:r>
             <a:endParaRPr lang="fr-FR" sz="800" dirty="0"/>
           </a:p>
         </p:txBody>
@@ -6285,7 +6299,7 @@
         </p:nvCxnSpPr>
         <p:spPr>
           <a:xfrm>
-            <a:off x="1424068" y="5967450"/>
+            <a:off x="1459702" y="6316052"/>
             <a:ext cx="1442722" cy="0"/>
           </a:xfrm>
           <a:prstGeom prst="line">
@@ -6355,7 +6369,6 @@
               <a:rPr lang="fr-FR" sz="800" dirty="0" smtClean="0"/>
               <a:t>ORDImage affiche</a:t>
             </a:r>
-            <a:endParaRPr lang="fr-FR" sz="800" dirty="0" smtClean="0"/>
           </a:p>
           <a:p>
             <a:endParaRPr lang="fr-FR" sz="800" dirty="0" smtClean="0"/>
@@ -6416,7 +6429,7 @@
         <p:spPr>
           <a:xfrm>
             <a:off x="9463895" y="1083254"/>
-            <a:ext cx="1164450" cy="830997"/>
+            <a:ext cx="1164450" cy="954107"/>
           </a:xfrm>
           <a:prstGeom prst="rect">
             <a:avLst/>
@@ -6452,12 +6465,19 @@
               <a:t>Prenoms[3] </a:t>
             </a:r>
             <a:r>
-              <a:rPr lang="fr-FR" sz="800" dirty="0"/>
-              <a:t>P</a:t>
+              <a:rPr lang="fr-FR" sz="800" dirty="0" err="1" smtClean="0"/>
+              <a:t>Prenoms</a:t>
+            </a:r>
+            <a:endParaRPr lang="fr-FR" sz="800" dirty="0" smtClean="0"/>
+          </a:p>
+          <a:p>
+            <a:r>
+              <a:rPr lang="fr-FR" sz="800" dirty="0" err="1" smtClean="0"/>
+              <a:t>ORDImage</a:t>
             </a:r>
             <a:r>
               <a:rPr lang="fr-FR" sz="800" dirty="0" smtClean="0"/>
-              <a:t>renoms</a:t>
+              <a:t> photo</a:t>
             </a:r>
             <a:endParaRPr lang="fr-FR" sz="800" dirty="0" smtClean="0"/>
           </a:p>
@@ -6468,14 +6488,6 @@
             <a:endParaRPr lang="fr-FR" sz="800" dirty="0"/>
           </a:p>
           <a:p>
-            <a:r>
-              <a:rPr lang="fr-FR" sz="800" dirty="0" smtClean="0"/>
-              <a:t>Affiche</a:t>
-            </a:r>
-            <a:r>
-              <a:rPr lang="fr-FR" sz="800" dirty="0" smtClean="0"/>
-              <a:t>() : String</a:t>
-            </a:r>
             <a:endParaRPr lang="fr-FR" sz="800" dirty="0" smtClean="0"/>
           </a:p>
         </p:txBody>
@@ -6550,14 +6562,6 @@
             <a:endParaRPr lang="fr-FR" sz="800" dirty="0"/>
           </a:p>
           <a:p>
-            <a:r>
-              <a:rPr lang="fr-FR" sz="800" dirty="0" smtClean="0"/>
-              <a:t>Affiche </a:t>
-            </a:r>
-            <a:r>
-              <a:rPr lang="fr-FR" sz="800" dirty="0" smtClean="0"/>
-              <a:t>()</a:t>
-            </a:r>
             <a:endParaRPr lang="fr-FR" sz="800" dirty="0"/>
           </a:p>
         </p:txBody>
@@ -6571,7 +6575,7 @@
         <p:spPr>
           <a:xfrm>
             <a:off x="10901784" y="5667446"/>
-            <a:ext cx="779246" cy="707886"/>
+            <a:ext cx="779246" cy="584775"/>
           </a:xfrm>
           <a:prstGeom prst="rect">
             <a:avLst/>
@@ -6593,17 +6597,6 @@
             <a:endParaRPr lang="fr-FR" sz="800" dirty="0" smtClean="0"/>
           </a:p>
           <a:p>
-            <a:endParaRPr lang="fr-FR" sz="800" dirty="0"/>
-          </a:p>
-          <a:p>
-            <a:r>
-              <a:rPr lang="fr-FR" sz="800" dirty="0" smtClean="0"/>
-              <a:t>Affiche </a:t>
-            </a:r>
-            <a:r>
-              <a:rPr lang="fr-FR" sz="800" dirty="0" smtClean="0"/>
-              <a:t>()</a:t>
-            </a:r>
             <a:endParaRPr lang="fr-FR" sz="800" dirty="0"/>
           </a:p>
         </p:txBody>
